--- a/ManualCode/Apresentacao/CodeFlow.pptx
+++ b/ManualCode/Apresentacao/CodeFlow.pptx
@@ -9,9 +9,14 @@
     <p:sldId id="257" r:id="rId3"/>
     <p:sldId id="258" r:id="rId4"/>
     <p:sldId id="259" r:id="rId5"/>
-    <p:sldId id="260" r:id="rId6"/>
-    <p:sldId id="261" r:id="rId7"/>
-    <p:sldId id="262" r:id="rId8"/>
+    <p:sldId id="263" r:id="rId6"/>
+    <p:sldId id="260" r:id="rId7"/>
+    <p:sldId id="261" r:id="rId8"/>
+    <p:sldId id="265" r:id="rId9"/>
+    <p:sldId id="266" r:id="rId10"/>
+    <p:sldId id="267" r:id="rId11"/>
+    <p:sldId id="262" r:id="rId12"/>
+    <p:sldId id="264" r:id="rId13"/>
   </p:sldIdLst>
   <p:sldSz cx="12192000" cy="6858000"/>
   <p:notesSz cx="6858000" cy="9144000"/>
@@ -3328,6 +3333,1299 @@
 </p:sld>
 </file>
 
+<file path=ppt/slides/slide10.xml><?xml version="1.0" encoding="utf-8"?>
+<p:sld xmlns:a="http://schemas.openxmlformats.org/drawingml/2006/main" xmlns:r="http://schemas.openxmlformats.org/officeDocument/2006/relationships" xmlns:p="http://schemas.openxmlformats.org/presentationml/2006/main">
+  <p:cSld>
+    <p:bg>
+      <p:bgPr>
+        <a:solidFill>
+          <a:schemeClr val="bg1">
+            <a:lumMod val="95000"/>
+          </a:schemeClr>
+        </a:solidFill>
+        <a:effectLst/>
+      </p:bgPr>
+    </p:bg>
+    <p:spTree>
+      <p:nvGrpSpPr>
+        <p:cNvPr id="1" name=""/>
+        <p:cNvGrpSpPr/>
+        <p:nvPr/>
+      </p:nvGrpSpPr>
+      <p:grpSpPr>
+        <a:xfrm>
+          <a:off x="0" y="0"/>
+          <a:ext cx="0" cy="0"/>
+          <a:chOff x="0" y="0"/>
+          <a:chExt cx="0" cy="0"/>
+        </a:xfrm>
+      </p:grpSpPr>
+      <p:sp useBgFill="1">
+        <p:nvSpPr>
+          <p:cNvPr id="31" name="Rectangle 30">
+            <a:extLst>
+              <a:ext uri="{FF2B5EF4-FFF2-40B4-BE49-F238E27FC236}">
+                <a16:creationId xmlns:a16="http://schemas.microsoft.com/office/drawing/2014/main" id="{1660E788-AFA9-4A1B-9991-6AA74632A15B}"/>
+              </a:ext>
+            </a:extLst>
+          </p:cNvPr>
+          <p:cNvSpPr>
+            <a:spLocks noGrp="1" noRot="1" noChangeAspect="1" noMove="1" noResize="1" noEditPoints="1" noAdjustHandles="1" noChangeArrowheads="1" noChangeShapeType="1" noTextEdit="1"/>
+          </p:cNvSpPr>
+          <p:nvPr>
+            <p:extLst>
+              <p:ext uri="{386F3935-93C4-4BCD-93E2-E3B085C9AB24}">
+                <p16:designElem xmlns:p16="http://schemas.microsoft.com/office/powerpoint/2015/main" val="1"/>
+              </p:ext>
+            </p:extLst>
+          </p:nvPr>
+        </p:nvSpPr>
+        <p:spPr>
+          <a:xfrm>
+            <a:off x="0" y="0"/>
+            <a:ext cx="12191999" cy="6858000"/>
+          </a:xfrm>
+          <a:prstGeom prst="rect">
+            <a:avLst/>
+          </a:prstGeom>
+          <a:ln>
+            <a:noFill/>
+          </a:ln>
+        </p:spPr>
+        <p:style>
+          <a:lnRef idx="2">
+            <a:schemeClr val="accent1">
+              <a:shade val="50000"/>
+            </a:schemeClr>
+          </a:lnRef>
+          <a:fillRef idx="1">
+            <a:schemeClr val="accent1"/>
+          </a:fillRef>
+          <a:effectRef idx="0">
+            <a:schemeClr val="accent1"/>
+          </a:effectRef>
+          <a:fontRef idx="minor">
+            <a:schemeClr val="lt1"/>
+          </a:fontRef>
+        </p:style>
+        <p:txBody>
+          <a:bodyPr rtlCol="0" anchor="ctr"/>
+          <a:lstStyle/>
+          <a:p>
+            <a:pPr algn="ctr"/>
+            <a:endParaRPr lang="en-US"/>
+          </a:p>
+        </p:txBody>
+      </p:sp>
+      <p:sp>
+        <p:nvSpPr>
+          <p:cNvPr id="33" name="Rectangle 32">
+            <a:extLst>
+              <a:ext uri="{FF2B5EF4-FFF2-40B4-BE49-F238E27FC236}">
+                <a16:creationId xmlns:a16="http://schemas.microsoft.com/office/drawing/2014/main" id="{867D4867-5BA7-4462-B2F6-A23F4A622AA7}"/>
+              </a:ext>
+            </a:extLst>
+          </p:cNvPr>
+          <p:cNvSpPr>
+            <a:spLocks noGrp="1" noRot="1" noChangeAspect="1" noMove="1" noResize="1" noEditPoints="1" noAdjustHandles="1" noChangeArrowheads="1" noChangeShapeType="1" noTextEdit="1"/>
+          </p:cNvSpPr>
+          <p:nvPr>
+            <p:extLst>
+              <p:ext uri="{386F3935-93C4-4BCD-93E2-E3B085C9AB24}">
+                <p16:designElem xmlns:p16="http://schemas.microsoft.com/office/powerpoint/2015/main" val="1"/>
+              </p:ext>
+            </p:extLst>
+          </p:nvPr>
+        </p:nvSpPr>
+        <p:spPr>
+          <a:xfrm>
+            <a:off x="0" y="0"/>
+            <a:ext cx="4654296" cy="6858000"/>
+          </a:xfrm>
+          <a:prstGeom prst="rect">
+            <a:avLst/>
+          </a:prstGeom>
+          <a:solidFill>
+            <a:schemeClr val="tx2"/>
+          </a:solidFill>
+          <a:ln>
+            <a:noFill/>
+          </a:ln>
+        </p:spPr>
+        <p:style>
+          <a:lnRef idx="0">
+            <a:scrgbClr r="0" g="0" b="0"/>
+          </a:lnRef>
+          <a:fillRef idx="0">
+            <a:scrgbClr r="0" g="0" b="0"/>
+          </a:fillRef>
+          <a:effectRef idx="0">
+            <a:scrgbClr r="0" g="0" b="0"/>
+          </a:effectRef>
+          <a:fontRef idx="minor">
+            <a:schemeClr val="lt1"/>
+          </a:fontRef>
+        </p:style>
+        <p:txBody>
+          <a:bodyPr rtlCol="0" anchor="ctr"/>
+          <a:lstStyle/>
+          <a:p>
+            <a:pPr algn="ctr"/>
+            <a:endParaRPr lang="en-US"/>
+          </a:p>
+        </p:txBody>
+      </p:sp>
+      <p:pic>
+        <p:nvPicPr>
+          <p:cNvPr id="9" name="Imagem 8" descr="Uma imagem com captura de ecrã&#10;&#10;Descrição gerada com confiança muito alta">
+            <a:extLst>
+              <a:ext uri="{FF2B5EF4-FFF2-40B4-BE49-F238E27FC236}">
+                <a16:creationId xmlns:a16="http://schemas.microsoft.com/office/drawing/2014/main" id="{BC5A6192-5E06-47DA-BE0B-469CF436425B}"/>
+              </a:ext>
+            </a:extLst>
+          </p:cNvPr>
+          <p:cNvPicPr>
+            <a:picLocks noChangeAspect="1"/>
+          </p:cNvPicPr>
+          <p:nvPr/>
+        </p:nvPicPr>
+        <p:blipFill>
+          <a:blip r:embed="rId2"/>
+          <a:stretch>
+            <a:fillRect/>
+          </a:stretch>
+        </p:blipFill>
+        <p:spPr>
+          <a:xfrm>
+            <a:off x="5297763" y="1871822"/>
+            <a:ext cx="6250769" cy="2953488"/>
+          </a:xfrm>
+          <a:prstGeom prst="rect">
+            <a:avLst/>
+          </a:prstGeom>
+        </p:spPr>
+      </p:pic>
+      <p:sp>
+        <p:nvSpPr>
+          <p:cNvPr id="2" name="Título 1">
+            <a:extLst>
+              <a:ext uri="{FF2B5EF4-FFF2-40B4-BE49-F238E27FC236}">
+                <a16:creationId xmlns:a16="http://schemas.microsoft.com/office/drawing/2014/main" id="{779BEC28-29C4-4B8F-9021-6624C72A3FAD}"/>
+              </a:ext>
+            </a:extLst>
+          </p:cNvPr>
+          <p:cNvSpPr>
+            <a:spLocks noGrp="1"/>
+          </p:cNvSpPr>
+          <p:nvPr>
+            <p:ph type="title"/>
+          </p:nvPr>
+        </p:nvSpPr>
+        <p:spPr>
+          <a:xfrm>
+            <a:off x="643467" y="643467"/>
+            <a:ext cx="3363974" cy="1728044"/>
+          </a:xfrm>
+          <a:noFill/>
+          <a:ln>
+            <a:solidFill>
+              <a:schemeClr val="bg1"/>
+            </a:solidFill>
+          </a:ln>
+        </p:spPr>
+        <p:txBody>
+          <a:bodyPr wrap="square">
+            <a:normAutofit/>
+          </a:bodyPr>
+          <a:lstStyle/>
+          <a:p>
+            <a:r>
+              <a:rPr lang="pt-PT" sz="2200" dirty="0">
+                <a:solidFill>
+                  <a:schemeClr val="bg1"/>
+                </a:solidFill>
+              </a:rPr>
+              <a:t>Funcionalidades</a:t>
+            </a:r>
+            <a:endParaRPr lang="en-US" sz="2200" dirty="0">
+              <a:solidFill>
+                <a:schemeClr val="bg1"/>
+              </a:solidFill>
+            </a:endParaRPr>
+          </a:p>
+        </p:txBody>
+      </p:sp>
+      <p:sp>
+        <p:nvSpPr>
+          <p:cNvPr id="3" name="Marcador de Posição de Conteúdo 2">
+            <a:extLst>
+              <a:ext uri="{FF2B5EF4-FFF2-40B4-BE49-F238E27FC236}">
+                <a16:creationId xmlns:a16="http://schemas.microsoft.com/office/drawing/2014/main" id="{8E4721B6-D918-4C01-8A6D-9EACB8E4B1FE}"/>
+              </a:ext>
+            </a:extLst>
+          </p:cNvPr>
+          <p:cNvSpPr>
+            <a:spLocks noGrp="1"/>
+          </p:cNvSpPr>
+          <p:nvPr>
+            <p:ph idx="1"/>
+          </p:nvPr>
+        </p:nvSpPr>
+        <p:spPr>
+          <a:xfrm>
+            <a:off x="643468" y="2638044"/>
+            <a:ext cx="3363974" cy="3415622"/>
+          </a:xfrm>
+        </p:spPr>
+        <p:txBody>
+          <a:bodyPr>
+            <a:normAutofit/>
+          </a:bodyPr>
+          <a:lstStyle/>
+          <a:p>
+            <a:r>
+              <a:rPr lang="pt-PT" b="1" dirty="0">
+                <a:solidFill>
+                  <a:schemeClr val="bg1"/>
+                </a:solidFill>
+              </a:rPr>
+              <a:t>Outras funcionalidades</a:t>
+            </a:r>
+          </a:p>
+          <a:p>
+            <a:pPr lvl="1"/>
+            <a:r>
+              <a:rPr lang="pt-PT" dirty="0">
+                <a:solidFill>
+                  <a:schemeClr val="bg1"/>
+                </a:solidFill>
+              </a:rPr>
+              <a:t>Log de todas as alterações.</a:t>
+            </a:r>
+            <a:endParaRPr lang="pt-BR" dirty="0">
+              <a:solidFill>
+                <a:schemeClr val="bg1"/>
+              </a:solidFill>
+            </a:endParaRPr>
+          </a:p>
+          <a:p>
+            <a:pPr lvl="1"/>
+            <a:r>
+              <a:rPr lang="pt-BR" dirty="0">
+                <a:solidFill>
+                  <a:schemeClr val="bg1"/>
+                </a:solidFill>
+              </a:rPr>
+              <a:t>Possibilidade de ver, reverter e re-executar operações de commit, update, criação e remoção.</a:t>
+            </a:r>
+          </a:p>
+          <a:p>
+            <a:pPr lvl="1"/>
+            <a:endParaRPr lang="pt-PT" dirty="0">
+              <a:solidFill>
+                <a:schemeClr val="bg1"/>
+              </a:solidFill>
+            </a:endParaRPr>
+          </a:p>
+        </p:txBody>
+      </p:sp>
+    </p:spTree>
+    <p:extLst>
+      <p:ext uri="{BB962C8B-B14F-4D97-AF65-F5344CB8AC3E}">
+        <p14:creationId xmlns:p14="http://schemas.microsoft.com/office/powerpoint/2010/main" val="4084627103"/>
+      </p:ext>
+    </p:extLst>
+  </p:cSld>
+  <p:clrMapOvr>
+    <a:masterClrMapping/>
+  </p:clrMapOvr>
+</p:sld>
+</file>
+
+<file path=ppt/slides/slide11.xml><?xml version="1.0" encoding="utf-8"?>
+<p:sld xmlns:a="http://schemas.openxmlformats.org/drawingml/2006/main" xmlns:r="http://schemas.openxmlformats.org/officeDocument/2006/relationships" xmlns:p="http://schemas.openxmlformats.org/presentationml/2006/main">
+  <p:cSld>
+    <p:bg>
+      <p:bgPr>
+        <a:solidFill>
+          <a:schemeClr val="bg1">
+            <a:lumMod val="95000"/>
+          </a:schemeClr>
+        </a:solidFill>
+        <a:effectLst/>
+      </p:bgPr>
+    </p:bg>
+    <p:spTree>
+      <p:nvGrpSpPr>
+        <p:cNvPr id="1" name=""/>
+        <p:cNvGrpSpPr/>
+        <p:nvPr/>
+      </p:nvGrpSpPr>
+      <p:grpSpPr>
+        <a:xfrm>
+          <a:off x="0" y="0"/>
+          <a:ext cx="0" cy="0"/>
+          <a:chOff x="0" y="0"/>
+          <a:chExt cx="0" cy="0"/>
+        </a:xfrm>
+      </p:grpSpPr>
+      <p:sp useBgFill="1">
+        <p:nvSpPr>
+          <p:cNvPr id="10" name="Rectangle 9">
+            <a:extLst>
+              <a:ext uri="{FF2B5EF4-FFF2-40B4-BE49-F238E27FC236}">
+                <a16:creationId xmlns:a16="http://schemas.microsoft.com/office/drawing/2014/main" id="{1660E788-AFA9-4A1B-9991-6AA74632A15B}"/>
+              </a:ext>
+            </a:extLst>
+          </p:cNvPr>
+          <p:cNvSpPr>
+            <a:spLocks noGrp="1" noRot="1" noChangeAspect="1" noMove="1" noResize="1" noEditPoints="1" noAdjustHandles="1" noChangeArrowheads="1" noChangeShapeType="1" noTextEdit="1"/>
+          </p:cNvSpPr>
+          <p:nvPr>
+            <p:extLst>
+              <p:ext uri="{386F3935-93C4-4BCD-93E2-E3B085C9AB24}">
+                <p16:designElem xmlns:p16="http://schemas.microsoft.com/office/powerpoint/2015/main" val="1"/>
+              </p:ext>
+            </p:extLst>
+          </p:nvPr>
+        </p:nvSpPr>
+        <p:spPr>
+          <a:xfrm>
+            <a:off x="0" y="0"/>
+            <a:ext cx="12191999" cy="6858000"/>
+          </a:xfrm>
+          <a:prstGeom prst="rect">
+            <a:avLst/>
+          </a:prstGeom>
+          <a:ln>
+            <a:noFill/>
+          </a:ln>
+        </p:spPr>
+        <p:style>
+          <a:lnRef idx="2">
+            <a:schemeClr val="accent1">
+              <a:shade val="50000"/>
+            </a:schemeClr>
+          </a:lnRef>
+          <a:fillRef idx="1">
+            <a:schemeClr val="accent1"/>
+          </a:fillRef>
+          <a:effectRef idx="0">
+            <a:schemeClr val="accent1"/>
+          </a:effectRef>
+          <a:fontRef idx="minor">
+            <a:schemeClr val="lt1"/>
+          </a:fontRef>
+        </p:style>
+        <p:txBody>
+          <a:bodyPr rtlCol="0" anchor="ctr"/>
+          <a:lstStyle/>
+          <a:p>
+            <a:pPr algn="ctr"/>
+            <a:endParaRPr lang="en-US"/>
+          </a:p>
+        </p:txBody>
+      </p:sp>
+      <p:sp>
+        <p:nvSpPr>
+          <p:cNvPr id="12" name="Rectangle 11">
+            <a:extLst>
+              <a:ext uri="{FF2B5EF4-FFF2-40B4-BE49-F238E27FC236}">
+                <a16:creationId xmlns:a16="http://schemas.microsoft.com/office/drawing/2014/main" id="{867D4867-5BA7-4462-B2F6-A23F4A622AA7}"/>
+              </a:ext>
+            </a:extLst>
+          </p:cNvPr>
+          <p:cNvSpPr>
+            <a:spLocks noGrp="1" noRot="1" noChangeAspect="1" noMove="1" noResize="1" noEditPoints="1" noAdjustHandles="1" noChangeArrowheads="1" noChangeShapeType="1" noTextEdit="1"/>
+          </p:cNvSpPr>
+          <p:nvPr>
+            <p:extLst>
+              <p:ext uri="{386F3935-93C4-4BCD-93E2-E3B085C9AB24}">
+                <p16:designElem xmlns:p16="http://schemas.microsoft.com/office/powerpoint/2015/main" val="1"/>
+              </p:ext>
+            </p:extLst>
+          </p:nvPr>
+        </p:nvSpPr>
+        <p:spPr>
+          <a:xfrm>
+            <a:off x="0" y="0"/>
+            <a:ext cx="4654296" cy="6858000"/>
+          </a:xfrm>
+          <a:prstGeom prst="rect">
+            <a:avLst/>
+          </a:prstGeom>
+          <a:solidFill>
+            <a:schemeClr val="tx2"/>
+          </a:solidFill>
+          <a:ln>
+            <a:noFill/>
+          </a:ln>
+        </p:spPr>
+        <p:style>
+          <a:lnRef idx="0">
+            <a:scrgbClr r="0" g="0" b="0"/>
+          </a:lnRef>
+          <a:fillRef idx="0">
+            <a:scrgbClr r="0" g="0" b="0"/>
+          </a:fillRef>
+          <a:effectRef idx="0">
+            <a:scrgbClr r="0" g="0" b="0"/>
+          </a:effectRef>
+          <a:fontRef idx="minor">
+            <a:schemeClr val="lt1"/>
+          </a:fontRef>
+        </p:style>
+        <p:txBody>
+          <a:bodyPr rtlCol="0" anchor="ctr"/>
+          <a:lstStyle/>
+          <a:p>
+            <a:pPr algn="ctr"/>
+            <a:endParaRPr lang="en-US"/>
+          </a:p>
+        </p:txBody>
+      </p:sp>
+      <p:pic>
+        <p:nvPicPr>
+          <p:cNvPr id="5" name="Imagem 4" descr="Uma imagem com captura de ecrã&#10;&#10;Descrição gerada com confiança muito alta">
+            <a:extLst>
+              <a:ext uri="{FF2B5EF4-FFF2-40B4-BE49-F238E27FC236}">
+                <a16:creationId xmlns:a16="http://schemas.microsoft.com/office/drawing/2014/main" id="{93DF2A63-FB87-4BF8-BE77-F7C5691C2C3D}"/>
+              </a:ext>
+            </a:extLst>
+          </p:cNvPr>
+          <p:cNvPicPr>
+            <a:picLocks noChangeAspect="1"/>
+          </p:cNvPicPr>
+          <p:nvPr/>
+        </p:nvPicPr>
+        <p:blipFill>
+          <a:blip r:embed="rId2"/>
+          <a:stretch>
+            <a:fillRect/>
+          </a:stretch>
+        </p:blipFill>
+        <p:spPr>
+          <a:xfrm>
+            <a:off x="5297763" y="2231242"/>
+            <a:ext cx="6250769" cy="2234649"/>
+          </a:xfrm>
+          <a:prstGeom prst="rect">
+            <a:avLst/>
+          </a:prstGeom>
+        </p:spPr>
+      </p:pic>
+      <p:sp>
+        <p:nvSpPr>
+          <p:cNvPr id="2" name="Título 1">
+            <a:extLst>
+              <a:ext uri="{FF2B5EF4-FFF2-40B4-BE49-F238E27FC236}">
+                <a16:creationId xmlns:a16="http://schemas.microsoft.com/office/drawing/2014/main" id="{939EAE8D-FB4C-40D0-AE0D-6A047EF8756B}"/>
+              </a:ext>
+            </a:extLst>
+          </p:cNvPr>
+          <p:cNvSpPr>
+            <a:spLocks noGrp="1"/>
+          </p:cNvSpPr>
+          <p:nvPr>
+            <p:ph type="title"/>
+          </p:nvPr>
+        </p:nvSpPr>
+        <p:spPr>
+          <a:xfrm>
+            <a:off x="643467" y="643467"/>
+            <a:ext cx="3363974" cy="1728044"/>
+          </a:xfrm>
+          <a:noFill/>
+          <a:ln>
+            <a:solidFill>
+              <a:schemeClr val="bg1"/>
+            </a:solidFill>
+          </a:ln>
+        </p:spPr>
+        <p:txBody>
+          <a:bodyPr wrap="square">
+            <a:normAutofit/>
+          </a:bodyPr>
+          <a:lstStyle/>
+          <a:p>
+            <a:r>
+              <a:rPr lang="pt-PT">
+                <a:solidFill>
+                  <a:schemeClr val="bg1"/>
+                </a:solidFill>
+              </a:rPr>
+              <a:t>Como funciona</a:t>
+            </a:r>
+            <a:endParaRPr lang="en-US">
+              <a:solidFill>
+                <a:schemeClr val="bg1"/>
+              </a:solidFill>
+            </a:endParaRPr>
+          </a:p>
+        </p:txBody>
+      </p:sp>
+      <p:sp>
+        <p:nvSpPr>
+          <p:cNvPr id="3" name="Marcador de Posição de Conteúdo 2">
+            <a:extLst>
+              <a:ext uri="{FF2B5EF4-FFF2-40B4-BE49-F238E27FC236}">
+                <a16:creationId xmlns:a16="http://schemas.microsoft.com/office/drawing/2014/main" id="{5EDC5D48-D203-4514-8645-B7BF9CC7B55F}"/>
+              </a:ext>
+            </a:extLst>
+          </p:cNvPr>
+          <p:cNvSpPr>
+            <a:spLocks noGrp="1"/>
+          </p:cNvSpPr>
+          <p:nvPr>
+            <p:ph idx="1"/>
+          </p:nvPr>
+        </p:nvSpPr>
+        <p:spPr>
+          <a:xfrm>
+            <a:off x="643468" y="2638044"/>
+            <a:ext cx="3363974" cy="3415622"/>
+          </a:xfrm>
+        </p:spPr>
+        <p:txBody>
+          <a:bodyPr>
+            <a:normAutofit/>
+          </a:bodyPr>
+          <a:lstStyle/>
+          <a:p>
+            <a:pPr>
+              <a:lnSpc>
+                <a:spcPct val="90000"/>
+              </a:lnSpc>
+            </a:pPr>
+            <a:r>
+              <a:rPr lang="pt-PT" sz="1700">
+                <a:solidFill>
+                  <a:schemeClr val="bg1"/>
+                </a:solidFill>
+              </a:rPr>
+              <a:t>Utiliza as tags que são geradas para o código manual:</a:t>
+            </a:r>
+          </a:p>
+          <a:p>
+            <a:pPr lvl="1">
+              <a:lnSpc>
+                <a:spcPct val="90000"/>
+              </a:lnSpc>
+            </a:pPr>
+            <a:r>
+              <a:rPr lang="en-US" sz="1700">
+                <a:solidFill>
+                  <a:schemeClr val="bg1"/>
+                </a:solidFill>
+              </a:rPr>
+              <a:t>BEGIN_MANUALCODE_CODMANUA:4AA02AF1-4831-4278-919F-679C124CB75F</a:t>
+            </a:r>
+          </a:p>
+          <a:p>
+            <a:pPr lvl="1">
+              <a:lnSpc>
+                <a:spcPct val="90000"/>
+              </a:lnSpc>
+            </a:pPr>
+            <a:r>
+              <a:rPr lang="en-US" sz="1700">
+                <a:solidFill>
+                  <a:schemeClr val="bg1"/>
+                </a:solidFill>
+              </a:rPr>
+              <a:t>END_MANUALCODE</a:t>
+            </a:r>
+          </a:p>
+          <a:p>
+            <a:pPr>
+              <a:lnSpc>
+                <a:spcPct val="90000"/>
+              </a:lnSpc>
+            </a:pPr>
+            <a:r>
+              <a:rPr lang="pt-PT" sz="1700">
+                <a:solidFill>
+                  <a:schemeClr val="bg1"/>
+                </a:solidFill>
+              </a:rPr>
+              <a:t>C</a:t>
+            </a:r>
+            <a:r>
+              <a:rPr lang="en-US" sz="1700">
+                <a:solidFill>
+                  <a:schemeClr val="bg1"/>
+                </a:solidFill>
+              </a:rPr>
+              <a:t>ommits são feitos com base na posição do cursor ou texto selecionado.</a:t>
+            </a:r>
+          </a:p>
+          <a:p>
+            <a:pPr>
+              <a:lnSpc>
+                <a:spcPct val="90000"/>
+              </a:lnSpc>
+            </a:pPr>
+            <a:r>
+              <a:rPr lang="pt-PT" sz="1700">
+                <a:solidFill>
+                  <a:schemeClr val="bg1"/>
+                </a:solidFill>
+              </a:rPr>
+              <a:t>C</a:t>
+            </a:r>
+            <a:r>
+              <a:rPr lang="en-US" sz="1700">
+                <a:solidFill>
+                  <a:schemeClr val="bg1"/>
+                </a:solidFill>
+              </a:rPr>
+              <a:t>ommit da solution pode ser feita somente sobre os ficheiros alterados ou análise completa.</a:t>
+            </a:r>
+          </a:p>
+        </p:txBody>
+      </p:sp>
+    </p:spTree>
+    <p:extLst>
+      <p:ext uri="{BB962C8B-B14F-4D97-AF65-F5344CB8AC3E}">
+        <p14:creationId xmlns:p14="http://schemas.microsoft.com/office/powerpoint/2010/main" val="601834998"/>
+      </p:ext>
+    </p:extLst>
+  </p:cSld>
+  <p:clrMapOvr>
+    <a:masterClrMapping/>
+  </p:clrMapOvr>
+</p:sld>
+</file>
+
+<file path=ppt/slides/slide12.xml><?xml version="1.0" encoding="utf-8"?>
+<p:sld xmlns:a="http://schemas.openxmlformats.org/drawingml/2006/main" xmlns:r="http://schemas.openxmlformats.org/officeDocument/2006/relationships" xmlns:p="http://schemas.openxmlformats.org/presentationml/2006/main">
+  <p:cSld>
+    <p:bg>
+      <p:bgPr>
+        <a:solidFill>
+          <a:schemeClr val="bg1">
+            <a:lumMod val="95000"/>
+          </a:schemeClr>
+        </a:solidFill>
+        <a:effectLst/>
+      </p:bgPr>
+    </p:bg>
+    <p:spTree>
+      <p:nvGrpSpPr>
+        <p:cNvPr id="1" name=""/>
+        <p:cNvGrpSpPr/>
+        <p:nvPr/>
+      </p:nvGrpSpPr>
+      <p:grpSpPr>
+        <a:xfrm>
+          <a:off x="0" y="0"/>
+          <a:ext cx="0" cy="0"/>
+          <a:chOff x="0" y="0"/>
+          <a:chExt cx="0" cy="0"/>
+        </a:xfrm>
+      </p:grpSpPr>
+      <p:sp useBgFill="1">
+        <p:nvSpPr>
+          <p:cNvPr id="10" name="Rectangle 9">
+            <a:extLst>
+              <a:ext uri="{FF2B5EF4-FFF2-40B4-BE49-F238E27FC236}">
+                <a16:creationId xmlns:a16="http://schemas.microsoft.com/office/drawing/2014/main" id="{1660E788-AFA9-4A1B-9991-6AA74632A15B}"/>
+              </a:ext>
+            </a:extLst>
+          </p:cNvPr>
+          <p:cNvSpPr>
+            <a:spLocks noGrp="1" noRot="1" noChangeAspect="1" noMove="1" noResize="1" noEditPoints="1" noAdjustHandles="1" noChangeArrowheads="1" noChangeShapeType="1" noTextEdit="1"/>
+          </p:cNvSpPr>
+          <p:nvPr>
+            <p:extLst>
+              <p:ext uri="{386F3935-93C4-4BCD-93E2-E3B085C9AB24}">
+                <p16:designElem xmlns:p16="http://schemas.microsoft.com/office/powerpoint/2015/main" val="1"/>
+              </p:ext>
+            </p:extLst>
+          </p:nvPr>
+        </p:nvSpPr>
+        <p:spPr>
+          <a:xfrm>
+            <a:off x="0" y="0"/>
+            <a:ext cx="12191999" cy="6858000"/>
+          </a:xfrm>
+          <a:prstGeom prst="rect">
+            <a:avLst/>
+          </a:prstGeom>
+          <a:ln>
+            <a:noFill/>
+          </a:ln>
+        </p:spPr>
+        <p:style>
+          <a:lnRef idx="2">
+            <a:schemeClr val="accent1">
+              <a:shade val="50000"/>
+            </a:schemeClr>
+          </a:lnRef>
+          <a:fillRef idx="1">
+            <a:schemeClr val="accent1"/>
+          </a:fillRef>
+          <a:effectRef idx="0">
+            <a:schemeClr val="accent1"/>
+          </a:effectRef>
+          <a:fontRef idx="minor">
+            <a:schemeClr val="lt1"/>
+          </a:fontRef>
+        </p:style>
+        <p:txBody>
+          <a:bodyPr rtlCol="0" anchor="ctr"/>
+          <a:lstStyle/>
+          <a:p>
+            <a:pPr algn="ctr"/>
+            <a:endParaRPr lang="en-US"/>
+          </a:p>
+        </p:txBody>
+      </p:sp>
+      <p:sp>
+        <p:nvSpPr>
+          <p:cNvPr id="12" name="Rectangle 11">
+            <a:extLst>
+              <a:ext uri="{FF2B5EF4-FFF2-40B4-BE49-F238E27FC236}">
+                <a16:creationId xmlns:a16="http://schemas.microsoft.com/office/drawing/2014/main" id="{867D4867-5BA7-4462-B2F6-A23F4A622AA7}"/>
+              </a:ext>
+            </a:extLst>
+          </p:cNvPr>
+          <p:cNvSpPr>
+            <a:spLocks noGrp="1" noRot="1" noChangeAspect="1" noMove="1" noResize="1" noEditPoints="1" noAdjustHandles="1" noChangeArrowheads="1" noChangeShapeType="1" noTextEdit="1"/>
+          </p:cNvSpPr>
+          <p:nvPr>
+            <p:extLst>
+              <p:ext uri="{386F3935-93C4-4BCD-93E2-E3B085C9AB24}">
+                <p16:designElem xmlns:p16="http://schemas.microsoft.com/office/powerpoint/2015/main" val="1"/>
+              </p:ext>
+            </p:extLst>
+          </p:nvPr>
+        </p:nvSpPr>
+        <p:spPr>
+          <a:xfrm>
+            <a:off x="0" y="0"/>
+            <a:ext cx="4654296" cy="6858000"/>
+          </a:xfrm>
+          <a:prstGeom prst="rect">
+            <a:avLst/>
+          </a:prstGeom>
+          <a:solidFill>
+            <a:schemeClr val="tx2"/>
+          </a:solidFill>
+          <a:ln>
+            <a:noFill/>
+          </a:ln>
+        </p:spPr>
+        <p:style>
+          <a:lnRef idx="0">
+            <a:scrgbClr r="0" g="0" b="0"/>
+          </a:lnRef>
+          <a:fillRef idx="0">
+            <a:scrgbClr r="0" g="0" b="0"/>
+          </a:fillRef>
+          <a:effectRef idx="0">
+            <a:scrgbClr r="0" g="0" b="0"/>
+          </a:effectRef>
+          <a:fontRef idx="minor">
+            <a:schemeClr val="lt1"/>
+          </a:fontRef>
+        </p:style>
+        <p:txBody>
+          <a:bodyPr rtlCol="0" anchor="ctr"/>
+          <a:lstStyle/>
+          <a:p>
+            <a:pPr algn="ctr"/>
+            <a:endParaRPr lang="en-US"/>
+          </a:p>
+        </p:txBody>
+      </p:sp>
+      <p:sp>
+        <p:nvSpPr>
+          <p:cNvPr id="2" name="Título 1">
+            <a:extLst>
+              <a:ext uri="{FF2B5EF4-FFF2-40B4-BE49-F238E27FC236}">
+                <a16:creationId xmlns:a16="http://schemas.microsoft.com/office/drawing/2014/main" id="{939EAE8D-FB4C-40D0-AE0D-6A047EF8756B}"/>
+              </a:ext>
+            </a:extLst>
+          </p:cNvPr>
+          <p:cNvSpPr>
+            <a:spLocks noGrp="1"/>
+          </p:cNvSpPr>
+          <p:nvPr>
+            <p:ph type="title"/>
+          </p:nvPr>
+        </p:nvSpPr>
+        <p:spPr>
+          <a:xfrm>
+            <a:off x="643467" y="643467"/>
+            <a:ext cx="3363974" cy="1728044"/>
+          </a:xfrm>
+          <a:noFill/>
+          <a:ln>
+            <a:solidFill>
+              <a:schemeClr val="bg1"/>
+            </a:solidFill>
+          </a:ln>
+        </p:spPr>
+        <p:txBody>
+          <a:bodyPr wrap="square">
+            <a:normAutofit/>
+          </a:bodyPr>
+          <a:lstStyle/>
+          <a:p>
+            <a:r>
+              <a:rPr lang="pt-PT">
+                <a:solidFill>
+                  <a:schemeClr val="bg1"/>
+                </a:solidFill>
+              </a:rPr>
+              <a:t>Como funciona</a:t>
+            </a:r>
+            <a:endParaRPr lang="en-US">
+              <a:solidFill>
+                <a:schemeClr val="bg1"/>
+              </a:solidFill>
+            </a:endParaRPr>
+          </a:p>
+        </p:txBody>
+      </p:sp>
+      <p:sp>
+        <p:nvSpPr>
+          <p:cNvPr id="3" name="Marcador de Posição de Conteúdo 2">
+            <a:extLst>
+              <a:ext uri="{FF2B5EF4-FFF2-40B4-BE49-F238E27FC236}">
+                <a16:creationId xmlns:a16="http://schemas.microsoft.com/office/drawing/2014/main" id="{5EDC5D48-D203-4514-8645-B7BF9CC7B55F}"/>
+              </a:ext>
+            </a:extLst>
+          </p:cNvPr>
+          <p:cNvSpPr>
+            <a:spLocks noGrp="1"/>
+          </p:cNvSpPr>
+          <p:nvPr>
+            <p:ph idx="1"/>
+          </p:nvPr>
+        </p:nvSpPr>
+        <p:spPr>
+          <a:xfrm>
+            <a:off x="643468" y="2638044"/>
+            <a:ext cx="3363974" cy="3415622"/>
+          </a:xfrm>
+        </p:spPr>
+        <p:txBody>
+          <a:bodyPr>
+            <a:normAutofit/>
+          </a:bodyPr>
+          <a:lstStyle/>
+          <a:p>
+            <a:pPr>
+              <a:lnSpc>
+                <a:spcPct val="90000"/>
+              </a:lnSpc>
+            </a:pPr>
+            <a:r>
+              <a:rPr lang="pt-PT" sz="1700" dirty="0">
+                <a:solidFill>
+                  <a:schemeClr val="bg1"/>
+                </a:solidFill>
+              </a:rPr>
+              <a:t>Utiliza as tags que são geradas para o código manual:</a:t>
+            </a:r>
+          </a:p>
+          <a:p>
+            <a:pPr lvl="1">
+              <a:lnSpc>
+                <a:spcPct val="90000"/>
+              </a:lnSpc>
+            </a:pPr>
+            <a:r>
+              <a:rPr lang="en-US" sz="1700" dirty="0">
+                <a:solidFill>
+                  <a:schemeClr val="bg1"/>
+                </a:solidFill>
+              </a:rPr>
+              <a:t>BEGIN_MANUALCODE_CODMANUA:4AA02AF1-4831-4278-919F-679C124CB75F</a:t>
+            </a:r>
+          </a:p>
+          <a:p>
+            <a:pPr lvl="1">
+              <a:lnSpc>
+                <a:spcPct val="90000"/>
+              </a:lnSpc>
+            </a:pPr>
+            <a:r>
+              <a:rPr lang="en-US" sz="1700" dirty="0">
+                <a:solidFill>
+                  <a:schemeClr val="bg1"/>
+                </a:solidFill>
+              </a:rPr>
+              <a:t>END_MANUALCODE</a:t>
+            </a:r>
+          </a:p>
+          <a:p>
+            <a:pPr>
+              <a:lnSpc>
+                <a:spcPct val="90000"/>
+              </a:lnSpc>
+            </a:pPr>
+            <a:r>
+              <a:rPr lang="pt-PT" sz="1700" dirty="0">
+                <a:solidFill>
+                  <a:schemeClr val="bg1"/>
+                </a:solidFill>
+              </a:rPr>
+              <a:t>C</a:t>
+            </a:r>
+            <a:r>
+              <a:rPr lang="en-US" sz="1700" dirty="0" err="1">
+                <a:solidFill>
+                  <a:schemeClr val="bg1"/>
+                </a:solidFill>
+              </a:rPr>
+              <a:t>ommits</a:t>
+            </a:r>
+            <a:r>
+              <a:rPr lang="en-US" sz="1700" dirty="0">
+                <a:solidFill>
+                  <a:schemeClr val="bg1"/>
+                </a:solidFill>
+              </a:rPr>
+              <a:t> </a:t>
+            </a:r>
+            <a:r>
+              <a:rPr lang="en-US" sz="1700" dirty="0" err="1">
+                <a:solidFill>
+                  <a:schemeClr val="bg1"/>
+                </a:solidFill>
+              </a:rPr>
+              <a:t>são</a:t>
+            </a:r>
+            <a:r>
+              <a:rPr lang="en-US" sz="1700" dirty="0">
+                <a:solidFill>
+                  <a:schemeClr val="bg1"/>
+                </a:solidFill>
+              </a:rPr>
+              <a:t> </a:t>
+            </a:r>
+            <a:r>
+              <a:rPr lang="en-US" sz="1700" dirty="0" err="1">
+                <a:solidFill>
+                  <a:schemeClr val="bg1"/>
+                </a:solidFill>
+              </a:rPr>
+              <a:t>feitos</a:t>
+            </a:r>
+            <a:r>
+              <a:rPr lang="en-US" sz="1700" dirty="0">
+                <a:solidFill>
+                  <a:schemeClr val="bg1"/>
+                </a:solidFill>
+              </a:rPr>
+              <a:t> com base </a:t>
+            </a:r>
+            <a:r>
+              <a:rPr lang="en-US" sz="1700" dirty="0" err="1">
+                <a:solidFill>
+                  <a:schemeClr val="bg1"/>
+                </a:solidFill>
+              </a:rPr>
+              <a:t>na</a:t>
+            </a:r>
+            <a:r>
+              <a:rPr lang="en-US" sz="1700" dirty="0">
+                <a:solidFill>
+                  <a:schemeClr val="bg1"/>
+                </a:solidFill>
+              </a:rPr>
+              <a:t> </a:t>
+            </a:r>
+            <a:r>
+              <a:rPr lang="en-US" sz="1700" dirty="0" err="1">
+                <a:solidFill>
+                  <a:schemeClr val="bg1"/>
+                </a:solidFill>
+              </a:rPr>
+              <a:t>posição</a:t>
+            </a:r>
+            <a:r>
+              <a:rPr lang="en-US" sz="1700" dirty="0">
+                <a:solidFill>
+                  <a:schemeClr val="bg1"/>
+                </a:solidFill>
+              </a:rPr>
+              <a:t> do cursor </a:t>
+            </a:r>
+            <a:r>
+              <a:rPr lang="en-US" sz="1700" dirty="0" err="1">
+                <a:solidFill>
+                  <a:schemeClr val="bg1"/>
+                </a:solidFill>
+              </a:rPr>
+              <a:t>ou</a:t>
+            </a:r>
+            <a:r>
+              <a:rPr lang="en-US" sz="1700" dirty="0">
+                <a:solidFill>
+                  <a:schemeClr val="bg1"/>
+                </a:solidFill>
+              </a:rPr>
+              <a:t> </a:t>
+            </a:r>
+            <a:r>
+              <a:rPr lang="en-US" sz="1700" dirty="0" err="1">
+                <a:solidFill>
+                  <a:schemeClr val="bg1"/>
+                </a:solidFill>
+              </a:rPr>
+              <a:t>texto</a:t>
+            </a:r>
+            <a:r>
+              <a:rPr lang="en-US" sz="1700" dirty="0">
+                <a:solidFill>
+                  <a:schemeClr val="bg1"/>
+                </a:solidFill>
+              </a:rPr>
+              <a:t> </a:t>
+            </a:r>
+            <a:r>
+              <a:rPr lang="en-US" sz="1700" dirty="0" err="1">
+                <a:solidFill>
+                  <a:schemeClr val="bg1"/>
+                </a:solidFill>
+              </a:rPr>
+              <a:t>selecionado</a:t>
+            </a:r>
+            <a:r>
+              <a:rPr lang="en-US" sz="1700" dirty="0">
+                <a:solidFill>
+                  <a:schemeClr val="bg1"/>
+                </a:solidFill>
+              </a:rPr>
+              <a:t>.</a:t>
+            </a:r>
+          </a:p>
+          <a:p>
+            <a:pPr>
+              <a:lnSpc>
+                <a:spcPct val="90000"/>
+              </a:lnSpc>
+            </a:pPr>
+            <a:r>
+              <a:rPr lang="pt-PT" sz="1700" dirty="0">
+                <a:solidFill>
+                  <a:schemeClr val="bg1"/>
+                </a:solidFill>
+              </a:rPr>
+              <a:t>C</a:t>
+            </a:r>
+            <a:r>
+              <a:rPr lang="en-US" sz="1700" dirty="0" err="1">
+                <a:solidFill>
+                  <a:schemeClr val="bg1"/>
+                </a:solidFill>
+              </a:rPr>
+              <a:t>ommit</a:t>
+            </a:r>
+            <a:r>
+              <a:rPr lang="en-US" sz="1700" dirty="0">
+                <a:solidFill>
+                  <a:schemeClr val="bg1"/>
+                </a:solidFill>
+              </a:rPr>
+              <a:t> da solution </a:t>
+            </a:r>
+            <a:r>
+              <a:rPr lang="en-US" sz="1700" dirty="0" err="1">
+                <a:solidFill>
+                  <a:schemeClr val="bg1"/>
+                </a:solidFill>
+              </a:rPr>
+              <a:t>pode</a:t>
+            </a:r>
+            <a:r>
+              <a:rPr lang="en-US" sz="1700" dirty="0">
+                <a:solidFill>
+                  <a:schemeClr val="bg1"/>
+                </a:solidFill>
+              </a:rPr>
+              <a:t> </a:t>
+            </a:r>
+            <a:r>
+              <a:rPr lang="en-US" sz="1700" dirty="0" err="1">
+                <a:solidFill>
+                  <a:schemeClr val="bg1"/>
+                </a:solidFill>
+              </a:rPr>
+              <a:t>ser</a:t>
+            </a:r>
+            <a:r>
+              <a:rPr lang="en-US" sz="1700" dirty="0">
+                <a:solidFill>
+                  <a:schemeClr val="bg1"/>
+                </a:solidFill>
+              </a:rPr>
+              <a:t> </a:t>
+            </a:r>
+            <a:r>
+              <a:rPr lang="en-US" sz="1700" dirty="0" err="1">
+                <a:solidFill>
+                  <a:schemeClr val="bg1"/>
+                </a:solidFill>
+              </a:rPr>
+              <a:t>feita</a:t>
+            </a:r>
+            <a:r>
+              <a:rPr lang="en-US" sz="1700" dirty="0">
+                <a:solidFill>
+                  <a:schemeClr val="bg1"/>
+                </a:solidFill>
+              </a:rPr>
+              <a:t> </a:t>
+            </a:r>
+            <a:r>
+              <a:rPr lang="en-US" sz="1700" dirty="0" err="1">
+                <a:solidFill>
+                  <a:schemeClr val="bg1"/>
+                </a:solidFill>
+              </a:rPr>
+              <a:t>somente</a:t>
+            </a:r>
+            <a:r>
+              <a:rPr lang="en-US" sz="1700" dirty="0">
+                <a:solidFill>
+                  <a:schemeClr val="bg1"/>
+                </a:solidFill>
+              </a:rPr>
+              <a:t> </a:t>
+            </a:r>
+            <a:r>
+              <a:rPr lang="en-US" sz="1700" dirty="0" err="1">
+                <a:solidFill>
+                  <a:schemeClr val="bg1"/>
+                </a:solidFill>
+              </a:rPr>
+              <a:t>sobre</a:t>
+            </a:r>
+            <a:r>
+              <a:rPr lang="en-US" sz="1700" dirty="0">
+                <a:solidFill>
+                  <a:schemeClr val="bg1"/>
+                </a:solidFill>
+              </a:rPr>
+              <a:t> </a:t>
+            </a:r>
+            <a:r>
+              <a:rPr lang="en-US" sz="1700" dirty="0" err="1">
+                <a:solidFill>
+                  <a:schemeClr val="bg1"/>
+                </a:solidFill>
+              </a:rPr>
+              <a:t>os</a:t>
+            </a:r>
+            <a:r>
+              <a:rPr lang="en-US" sz="1700" dirty="0">
+                <a:solidFill>
+                  <a:schemeClr val="bg1"/>
+                </a:solidFill>
+              </a:rPr>
+              <a:t> </a:t>
+            </a:r>
+            <a:r>
+              <a:rPr lang="en-US" sz="1700" dirty="0" err="1">
+                <a:solidFill>
+                  <a:schemeClr val="bg1"/>
+                </a:solidFill>
+              </a:rPr>
+              <a:t>ficheiros</a:t>
+            </a:r>
+            <a:r>
+              <a:rPr lang="en-US" sz="1700" dirty="0">
+                <a:solidFill>
+                  <a:schemeClr val="bg1"/>
+                </a:solidFill>
+              </a:rPr>
+              <a:t> </a:t>
+            </a:r>
+            <a:r>
+              <a:rPr lang="en-US" sz="1700" dirty="0" err="1">
+                <a:solidFill>
+                  <a:schemeClr val="bg1"/>
+                </a:solidFill>
+              </a:rPr>
+              <a:t>alterados</a:t>
+            </a:r>
+            <a:r>
+              <a:rPr lang="en-US" sz="1700" dirty="0">
+                <a:solidFill>
+                  <a:schemeClr val="bg1"/>
+                </a:solidFill>
+              </a:rPr>
+              <a:t> </a:t>
+            </a:r>
+            <a:r>
+              <a:rPr lang="en-US" sz="1700" dirty="0" err="1">
+                <a:solidFill>
+                  <a:schemeClr val="bg1"/>
+                </a:solidFill>
+              </a:rPr>
+              <a:t>ou</a:t>
+            </a:r>
+            <a:r>
+              <a:rPr lang="en-US" sz="1700" dirty="0">
+                <a:solidFill>
+                  <a:schemeClr val="bg1"/>
+                </a:solidFill>
+              </a:rPr>
+              <a:t> </a:t>
+            </a:r>
+            <a:r>
+              <a:rPr lang="en-US" sz="1700" dirty="0" err="1">
+                <a:solidFill>
+                  <a:schemeClr val="bg1"/>
+                </a:solidFill>
+              </a:rPr>
+              <a:t>análise</a:t>
+            </a:r>
+            <a:r>
+              <a:rPr lang="en-US" sz="1700" dirty="0">
+                <a:solidFill>
+                  <a:schemeClr val="bg1"/>
+                </a:solidFill>
+              </a:rPr>
+              <a:t> </a:t>
+            </a:r>
+            <a:r>
+              <a:rPr lang="en-US" sz="1700" dirty="0" err="1">
+                <a:solidFill>
+                  <a:schemeClr val="bg1"/>
+                </a:solidFill>
+              </a:rPr>
+              <a:t>completa</a:t>
+            </a:r>
+            <a:r>
+              <a:rPr lang="en-US" sz="1700" dirty="0">
+                <a:solidFill>
+                  <a:schemeClr val="bg1"/>
+                </a:solidFill>
+              </a:rPr>
+              <a:t>.</a:t>
+            </a:r>
+          </a:p>
+        </p:txBody>
+      </p:sp>
+    </p:spTree>
+    <p:extLst>
+      <p:ext uri="{BB962C8B-B14F-4D97-AF65-F5344CB8AC3E}">
+        <p14:creationId xmlns:p14="http://schemas.microsoft.com/office/powerpoint/2010/main" val="302629540"/>
+      </p:ext>
+    </p:extLst>
+  </p:cSld>
+  <p:clrMapOvr>
+    <a:masterClrMapping/>
+  </p:clrMapOvr>
+</p:sld>
+</file>
+
 <file path=ppt/slides/slide2.xml><?xml version="1.0" encoding="utf-8"?>
 <p:sld xmlns:a="http://schemas.openxmlformats.org/drawingml/2006/main" xmlns:r="http://schemas.openxmlformats.org/officeDocument/2006/relationships" xmlns:p="http://schemas.openxmlformats.org/presentationml/2006/main">
   <p:cSld>
@@ -3579,7 +4877,7 @@
           <a:lstStyle/>
           <a:p>
             <a:r>
-              <a:rPr lang="pt-PT">
+              <a:rPr lang="pt-PT" dirty="0">
                 <a:solidFill>
                   <a:schemeClr val="bg1"/>
                 </a:solidFill>
@@ -3587,7 +4885,7 @@
               <a:t>Uma </a:t>
             </a:r>
             <a:r>
-              <a:rPr lang="pt-PT" i="1">
+              <a:rPr lang="pt-PT" i="1" dirty="0">
                 <a:solidFill>
                   <a:schemeClr val="bg1"/>
                 </a:solidFill>
@@ -3595,7 +4893,7 @@
               <a:t>package</a:t>
             </a:r>
             <a:r>
-              <a:rPr lang="pt-PT">
+              <a:rPr lang="pt-PT" dirty="0">
                 <a:solidFill>
                   <a:schemeClr val="bg1"/>
                 </a:solidFill>
@@ -3605,7 +4903,7 @@
           </a:p>
           <a:p>
             <a:r>
-              <a:rPr lang="pt-PT">
+              <a:rPr lang="pt-PT" dirty="0">
                 <a:solidFill>
                   <a:schemeClr val="bg1"/>
                 </a:solidFill>
@@ -3614,14 +4912,17 @@
             </a:r>
           </a:p>
           <a:p>
-            <a:endParaRPr lang="pt-PT" u="sng">
-              <a:solidFill>
-                <a:schemeClr val="bg1"/>
-              </a:solidFill>
-            </a:endParaRPr>
-          </a:p>
-          <a:p>
-            <a:endParaRPr lang="en-US">
+            <a:r>
+              <a:rPr lang="pt-PT" dirty="0">
+                <a:solidFill>
+                  <a:schemeClr val="bg1"/>
+                </a:solidFill>
+              </a:rPr>
+              <a:t>Extensão para aumentar produtividade.</a:t>
+            </a:r>
+          </a:p>
+          <a:p>
+            <a:endParaRPr lang="en-US" dirty="0">
               <a:solidFill>
                 <a:schemeClr val="bg1"/>
               </a:solidFill>
@@ -3645,6 +4946,16 @@
 <file path=ppt/slides/slide3.xml><?xml version="1.0" encoding="utf-8"?>
 <p:sld xmlns:a="http://schemas.openxmlformats.org/drawingml/2006/main" xmlns:r="http://schemas.openxmlformats.org/officeDocument/2006/relationships" xmlns:p="http://schemas.openxmlformats.org/presentationml/2006/main">
   <p:cSld>
+    <p:bg>
+      <p:bgPr>
+        <a:solidFill>
+          <a:schemeClr val="bg1">
+            <a:lumMod val="95000"/>
+          </a:schemeClr>
+        </a:solidFill>
+        <a:effectLst/>
+      </p:bgPr>
+    </p:bg>
     <p:spTree>
       <p:nvGrpSpPr>
         <p:cNvPr id="1" name=""/>
@@ -3659,6 +4970,151 @@
           <a:chExt cx="0" cy="0"/>
         </a:xfrm>
       </p:grpSpPr>
+      <p:sp useBgFill="1">
+        <p:nvSpPr>
+          <p:cNvPr id="18" name="Rectangle 17">
+            <a:extLst>
+              <a:ext uri="{FF2B5EF4-FFF2-40B4-BE49-F238E27FC236}">
+                <a16:creationId xmlns:a16="http://schemas.microsoft.com/office/drawing/2014/main" id="{1660E788-AFA9-4A1B-9991-6AA74632A15B}"/>
+              </a:ext>
+            </a:extLst>
+          </p:cNvPr>
+          <p:cNvSpPr>
+            <a:spLocks noGrp="1" noRot="1" noChangeAspect="1" noMove="1" noResize="1" noEditPoints="1" noAdjustHandles="1" noChangeArrowheads="1" noChangeShapeType="1" noTextEdit="1"/>
+          </p:cNvSpPr>
+          <p:nvPr>
+            <p:extLst>
+              <p:ext uri="{386F3935-93C4-4BCD-93E2-E3B085C9AB24}">
+                <p16:designElem xmlns:p16="http://schemas.microsoft.com/office/powerpoint/2015/main" val="1"/>
+              </p:ext>
+            </p:extLst>
+          </p:nvPr>
+        </p:nvSpPr>
+        <p:spPr>
+          <a:xfrm>
+            <a:off x="0" y="0"/>
+            <a:ext cx="12191999" cy="6858000"/>
+          </a:xfrm>
+          <a:prstGeom prst="rect">
+            <a:avLst/>
+          </a:prstGeom>
+          <a:ln>
+            <a:noFill/>
+          </a:ln>
+        </p:spPr>
+        <p:style>
+          <a:lnRef idx="2">
+            <a:schemeClr val="accent1">
+              <a:shade val="50000"/>
+            </a:schemeClr>
+          </a:lnRef>
+          <a:fillRef idx="1">
+            <a:schemeClr val="accent1"/>
+          </a:fillRef>
+          <a:effectRef idx="0">
+            <a:schemeClr val="accent1"/>
+          </a:effectRef>
+          <a:fontRef idx="minor">
+            <a:schemeClr val="lt1"/>
+          </a:fontRef>
+        </p:style>
+        <p:txBody>
+          <a:bodyPr rtlCol="0" anchor="ctr"/>
+          <a:lstStyle/>
+          <a:p>
+            <a:pPr algn="ctr"/>
+            <a:endParaRPr lang="en-US"/>
+          </a:p>
+        </p:txBody>
+      </p:sp>
+      <p:sp>
+        <p:nvSpPr>
+          <p:cNvPr id="20" name="Rectangle 19">
+            <a:extLst>
+              <a:ext uri="{FF2B5EF4-FFF2-40B4-BE49-F238E27FC236}">
+                <a16:creationId xmlns:a16="http://schemas.microsoft.com/office/drawing/2014/main" id="{867D4867-5BA7-4462-B2F6-A23F4A622AA7}"/>
+              </a:ext>
+            </a:extLst>
+          </p:cNvPr>
+          <p:cNvSpPr>
+            <a:spLocks noGrp="1" noRot="1" noChangeAspect="1" noMove="1" noResize="1" noEditPoints="1" noAdjustHandles="1" noChangeArrowheads="1" noChangeShapeType="1" noTextEdit="1"/>
+          </p:cNvSpPr>
+          <p:nvPr>
+            <p:extLst>
+              <p:ext uri="{386F3935-93C4-4BCD-93E2-E3B085C9AB24}">
+                <p16:designElem xmlns:p16="http://schemas.microsoft.com/office/powerpoint/2015/main" val="1"/>
+              </p:ext>
+            </p:extLst>
+          </p:nvPr>
+        </p:nvSpPr>
+        <p:spPr>
+          <a:xfrm>
+            <a:off x="0" y="0"/>
+            <a:ext cx="4654296" cy="6858000"/>
+          </a:xfrm>
+          <a:prstGeom prst="rect">
+            <a:avLst/>
+          </a:prstGeom>
+          <a:solidFill>
+            <a:schemeClr val="tx2"/>
+          </a:solidFill>
+          <a:ln>
+            <a:noFill/>
+          </a:ln>
+        </p:spPr>
+        <p:style>
+          <a:lnRef idx="0">
+            <a:scrgbClr r="0" g="0" b="0"/>
+          </a:lnRef>
+          <a:fillRef idx="0">
+            <a:scrgbClr r="0" g="0" b="0"/>
+          </a:fillRef>
+          <a:effectRef idx="0">
+            <a:scrgbClr r="0" g="0" b="0"/>
+          </a:effectRef>
+          <a:fontRef idx="minor">
+            <a:schemeClr val="lt1"/>
+          </a:fontRef>
+        </p:style>
+        <p:txBody>
+          <a:bodyPr rtlCol="0" anchor="ctr"/>
+          <a:lstStyle/>
+          <a:p>
+            <a:pPr algn="ctr"/>
+            <a:endParaRPr lang="en-US"/>
+          </a:p>
+        </p:txBody>
+      </p:sp>
+      <p:pic>
+        <p:nvPicPr>
+          <p:cNvPr id="9" name="Imagem 8">
+            <a:extLst>
+              <a:ext uri="{FF2B5EF4-FFF2-40B4-BE49-F238E27FC236}">
+                <a16:creationId xmlns:a16="http://schemas.microsoft.com/office/drawing/2014/main" id="{B5C379CC-012E-401D-9E02-8398922D7751}"/>
+              </a:ext>
+            </a:extLst>
+          </p:cNvPr>
+          <p:cNvPicPr>
+            <a:picLocks noChangeAspect="1"/>
+          </p:cNvPicPr>
+          <p:nvPr/>
+        </p:nvPicPr>
+        <p:blipFill>
+          <a:blip r:embed="rId2"/>
+          <a:stretch>
+            <a:fillRect/>
+          </a:stretch>
+        </p:blipFill>
+        <p:spPr>
+          <a:xfrm>
+            <a:off x="5297763" y="1583038"/>
+            <a:ext cx="6250769" cy="3531056"/>
+          </a:xfrm>
+          <a:prstGeom prst="rect">
+            <a:avLst/>
+          </a:prstGeom>
+        </p:spPr>
+      </p:pic>
       <p:sp>
         <p:nvSpPr>
           <p:cNvPr id="2" name="Título 1">
@@ -3677,19 +5133,35 @@
         </p:nvSpPr>
         <p:spPr>
           <a:xfrm>
-            <a:off x="2231136" y="964692"/>
-            <a:ext cx="7729728" cy="1188720"/>
-          </a:xfrm>
-        </p:spPr>
-        <p:txBody>
-          <a:bodyPr/>
-          <a:lstStyle/>
-          <a:p>
-            <a:r>
-              <a:rPr lang="pt-PT"/>
+            <a:off x="643467" y="643467"/>
+            <a:ext cx="3363974" cy="1728044"/>
+          </a:xfrm>
+          <a:noFill/>
+          <a:ln>
+            <a:solidFill>
+              <a:schemeClr val="bg1"/>
+            </a:solidFill>
+          </a:ln>
+        </p:spPr>
+        <p:txBody>
+          <a:bodyPr wrap="square">
+            <a:normAutofit/>
+          </a:bodyPr>
+          <a:lstStyle/>
+          <a:p>
+            <a:r>
+              <a:rPr lang="pt-PT">
+                <a:solidFill>
+                  <a:schemeClr val="bg1"/>
+                </a:solidFill>
+              </a:rPr>
               <a:t>Problemas atuais</a:t>
             </a:r>
-            <a:endParaRPr lang="en-US" dirty="0"/>
+            <a:endParaRPr lang="en-US">
+              <a:solidFill>
+                <a:schemeClr val="bg1"/>
+              </a:solidFill>
+            </a:endParaRPr>
           </a:p>
         </p:txBody>
       </p:sp>
@@ -3711,37 +5183,59 @@
         </p:nvSpPr>
         <p:spPr>
           <a:xfrm>
-            <a:off x="2231136" y="2638044"/>
-            <a:ext cx="7729728" cy="3101983"/>
-          </a:xfrm>
-        </p:spPr>
-        <p:txBody>
-          <a:bodyPr/>
-          <a:lstStyle/>
-          <a:p>
-            <a:r>
-              <a:rPr lang="pt-PT"/>
+            <a:off x="643468" y="2638044"/>
+            <a:ext cx="3363974" cy="3415622"/>
+          </a:xfrm>
+        </p:spPr>
+        <p:txBody>
+          <a:bodyPr>
+            <a:normAutofit/>
+          </a:bodyPr>
+          <a:lstStyle/>
+          <a:p>
+            <a:r>
+              <a:rPr lang="pt-PT">
+                <a:solidFill>
+                  <a:schemeClr val="bg1"/>
+                </a:solidFill>
+              </a:rPr>
               <a:t>Copiar código para o Genio.</a:t>
             </a:r>
           </a:p>
           <a:p>
             <a:r>
-              <a:rPr lang="pt-PT"/>
+              <a:rPr lang="pt-PT">
+                <a:solidFill>
+                  <a:schemeClr val="bg1"/>
+                </a:solidFill>
+              </a:rPr>
               <a:t>Pesquisas e alterações propensa a erros.</a:t>
             </a:r>
           </a:p>
           <a:p>
             <a:r>
-              <a:rPr lang="pt-PT"/>
+              <a:rPr lang="pt-PT">
+                <a:solidFill>
+                  <a:schemeClr val="bg1"/>
+                </a:solidFill>
+              </a:rPr>
               <a:t>Erros de sintaxe ao copiar código para o Genio.</a:t>
             </a:r>
           </a:p>
           <a:p>
             <a:r>
-              <a:rPr lang="pt-PT"/>
+              <a:rPr lang="pt-PT">
+                <a:solidFill>
+                  <a:schemeClr val="bg1"/>
+                </a:solidFill>
+              </a:rPr>
               <a:t>Necessidade de “gerar uma versão” depois das alterações.</a:t>
             </a:r>
-            <a:endParaRPr lang="en-US" dirty="0"/>
+            <a:endParaRPr lang="en-US">
+              <a:solidFill>
+                <a:schemeClr val="bg1"/>
+              </a:solidFill>
+            </a:endParaRPr>
           </a:p>
         </p:txBody>
       </p:sp>
@@ -3761,6 +5255,16 @@
 <file path=ppt/slides/slide4.xml><?xml version="1.0" encoding="utf-8"?>
 <p:sld xmlns:a="http://schemas.openxmlformats.org/drawingml/2006/main" xmlns:r="http://schemas.openxmlformats.org/officeDocument/2006/relationships" xmlns:p="http://schemas.openxmlformats.org/presentationml/2006/main">
   <p:cSld>
+    <p:bg>
+      <p:bgPr>
+        <a:solidFill>
+          <a:schemeClr val="bg1">
+            <a:lumMod val="95000"/>
+          </a:schemeClr>
+        </a:solidFill>
+        <a:effectLst/>
+      </p:bgPr>
+    </p:bg>
     <p:spTree>
       <p:nvGrpSpPr>
         <p:cNvPr id="1" name=""/>
@@ -3775,6 +5279,151 @@
           <a:chExt cx="0" cy="0"/>
         </a:xfrm>
       </p:grpSpPr>
+      <p:sp useBgFill="1">
+        <p:nvSpPr>
+          <p:cNvPr id="10" name="Rectangle 9">
+            <a:extLst>
+              <a:ext uri="{FF2B5EF4-FFF2-40B4-BE49-F238E27FC236}">
+                <a16:creationId xmlns:a16="http://schemas.microsoft.com/office/drawing/2014/main" id="{1660E788-AFA9-4A1B-9991-6AA74632A15B}"/>
+              </a:ext>
+            </a:extLst>
+          </p:cNvPr>
+          <p:cNvSpPr>
+            <a:spLocks noGrp="1" noRot="1" noChangeAspect="1" noMove="1" noResize="1" noEditPoints="1" noAdjustHandles="1" noChangeArrowheads="1" noChangeShapeType="1" noTextEdit="1"/>
+          </p:cNvSpPr>
+          <p:nvPr>
+            <p:extLst>
+              <p:ext uri="{386F3935-93C4-4BCD-93E2-E3B085C9AB24}">
+                <p16:designElem xmlns:p16="http://schemas.microsoft.com/office/powerpoint/2015/main" val="1"/>
+              </p:ext>
+            </p:extLst>
+          </p:nvPr>
+        </p:nvSpPr>
+        <p:spPr>
+          <a:xfrm>
+            <a:off x="0" y="0"/>
+            <a:ext cx="12191999" cy="6858000"/>
+          </a:xfrm>
+          <a:prstGeom prst="rect">
+            <a:avLst/>
+          </a:prstGeom>
+          <a:ln>
+            <a:noFill/>
+          </a:ln>
+        </p:spPr>
+        <p:style>
+          <a:lnRef idx="2">
+            <a:schemeClr val="accent1">
+              <a:shade val="50000"/>
+            </a:schemeClr>
+          </a:lnRef>
+          <a:fillRef idx="1">
+            <a:schemeClr val="accent1"/>
+          </a:fillRef>
+          <a:effectRef idx="0">
+            <a:schemeClr val="accent1"/>
+          </a:effectRef>
+          <a:fontRef idx="minor">
+            <a:schemeClr val="lt1"/>
+          </a:fontRef>
+        </p:style>
+        <p:txBody>
+          <a:bodyPr rtlCol="0" anchor="ctr"/>
+          <a:lstStyle/>
+          <a:p>
+            <a:pPr algn="ctr"/>
+            <a:endParaRPr lang="en-US"/>
+          </a:p>
+        </p:txBody>
+      </p:sp>
+      <p:sp>
+        <p:nvSpPr>
+          <p:cNvPr id="12" name="Rectangle 11">
+            <a:extLst>
+              <a:ext uri="{FF2B5EF4-FFF2-40B4-BE49-F238E27FC236}">
+                <a16:creationId xmlns:a16="http://schemas.microsoft.com/office/drawing/2014/main" id="{867D4867-5BA7-4462-B2F6-A23F4A622AA7}"/>
+              </a:ext>
+            </a:extLst>
+          </p:cNvPr>
+          <p:cNvSpPr>
+            <a:spLocks noGrp="1" noRot="1" noChangeAspect="1" noMove="1" noResize="1" noEditPoints="1" noAdjustHandles="1" noChangeArrowheads="1" noChangeShapeType="1" noTextEdit="1"/>
+          </p:cNvSpPr>
+          <p:nvPr>
+            <p:extLst>
+              <p:ext uri="{386F3935-93C4-4BCD-93E2-E3B085C9AB24}">
+                <p16:designElem xmlns:p16="http://schemas.microsoft.com/office/powerpoint/2015/main" val="1"/>
+              </p:ext>
+            </p:extLst>
+          </p:nvPr>
+        </p:nvSpPr>
+        <p:spPr>
+          <a:xfrm>
+            <a:off x="0" y="0"/>
+            <a:ext cx="4654296" cy="6858000"/>
+          </a:xfrm>
+          <a:prstGeom prst="rect">
+            <a:avLst/>
+          </a:prstGeom>
+          <a:solidFill>
+            <a:schemeClr val="tx2"/>
+          </a:solidFill>
+          <a:ln>
+            <a:noFill/>
+          </a:ln>
+        </p:spPr>
+        <p:style>
+          <a:lnRef idx="0">
+            <a:scrgbClr r="0" g="0" b="0"/>
+          </a:lnRef>
+          <a:fillRef idx="0">
+            <a:scrgbClr r="0" g="0" b="0"/>
+          </a:fillRef>
+          <a:effectRef idx="0">
+            <a:scrgbClr r="0" g="0" b="0"/>
+          </a:effectRef>
+          <a:fontRef idx="minor">
+            <a:schemeClr val="lt1"/>
+          </a:fontRef>
+        </p:style>
+        <p:txBody>
+          <a:bodyPr rtlCol="0" anchor="ctr"/>
+          <a:lstStyle/>
+          <a:p>
+            <a:pPr algn="ctr"/>
+            <a:endParaRPr lang="en-US"/>
+          </a:p>
+        </p:txBody>
+      </p:sp>
+      <p:pic>
+        <p:nvPicPr>
+          <p:cNvPr id="5" name="Imagem 4" descr="Uma imagem com captura de ecrã&#10;&#10;Descrição gerada com confiança muito alta">
+            <a:extLst>
+              <a:ext uri="{FF2B5EF4-FFF2-40B4-BE49-F238E27FC236}">
+                <a16:creationId xmlns:a16="http://schemas.microsoft.com/office/drawing/2014/main" id="{1B449853-49FA-4A8C-8688-E160AF8EC763}"/>
+              </a:ext>
+            </a:extLst>
+          </p:cNvPr>
+          <p:cNvPicPr>
+            <a:picLocks noChangeAspect="1"/>
+          </p:cNvPicPr>
+          <p:nvPr/>
+        </p:nvPicPr>
+        <p:blipFill>
+          <a:blip r:embed="rId2"/>
+          <a:stretch>
+            <a:fillRect/>
+          </a:stretch>
+        </p:blipFill>
+        <p:spPr>
+          <a:xfrm>
+            <a:off x="5297763" y="1645232"/>
+            <a:ext cx="6250769" cy="3406669"/>
+          </a:xfrm>
+          <a:prstGeom prst="rect">
+            <a:avLst/>
+          </a:prstGeom>
+        </p:spPr>
+      </p:pic>
       <p:sp>
         <p:nvSpPr>
           <p:cNvPr id="2" name="Título 1">
@@ -3791,16 +5440,37 @@
             <p:ph type="title"/>
           </p:nvPr>
         </p:nvSpPr>
-        <p:spPr/>
-        <p:txBody>
-          <a:bodyPr/>
-          <a:lstStyle/>
-          <a:p>
-            <a:r>
-              <a:rPr lang="pt-PT" dirty="0"/>
+        <p:spPr>
+          <a:xfrm>
+            <a:off x="643467" y="643467"/>
+            <a:ext cx="3363974" cy="1728044"/>
+          </a:xfrm>
+          <a:noFill/>
+          <a:ln>
+            <a:solidFill>
+              <a:schemeClr val="bg1"/>
+            </a:solidFill>
+          </a:ln>
+        </p:spPr>
+        <p:txBody>
+          <a:bodyPr wrap="square">
+            <a:normAutofit/>
+          </a:bodyPr>
+          <a:lstStyle/>
+          <a:p>
+            <a:r>
+              <a:rPr lang="pt-PT">
+                <a:solidFill>
+                  <a:schemeClr val="bg1"/>
+                </a:solidFill>
+              </a:rPr>
               <a:t>Objetivo</a:t>
             </a:r>
-            <a:endParaRPr lang="en-US" dirty="0"/>
+            <a:endParaRPr lang="en-US">
+              <a:solidFill>
+                <a:schemeClr val="bg1"/>
+              </a:solidFill>
+            </a:endParaRPr>
           </a:p>
         </p:txBody>
       </p:sp>
@@ -3820,50 +5490,69 @@
             <p:ph idx="1"/>
           </p:nvPr>
         </p:nvSpPr>
-        <p:spPr/>
-        <p:txBody>
-          <a:bodyPr/>
-          <a:lstStyle/>
-          <a:p>
-            <a:r>
-              <a:rPr lang="pt-PT" dirty="0"/>
+        <p:spPr>
+          <a:xfrm>
+            <a:off x="643468" y="2638044"/>
+            <a:ext cx="3363974" cy="3415622"/>
+          </a:xfrm>
+        </p:spPr>
+        <p:txBody>
+          <a:bodyPr>
+            <a:normAutofit/>
+          </a:bodyPr>
+          <a:lstStyle/>
+          <a:p>
+            <a:r>
+              <a:rPr lang="pt-PT">
+                <a:solidFill>
+                  <a:schemeClr val="bg1"/>
+                </a:solidFill>
+              </a:rPr>
               <a:t>Remover a necessidade de copiar código para o Genio.</a:t>
             </a:r>
           </a:p>
           <a:p>
             <a:r>
-              <a:rPr lang="pt-PT" dirty="0"/>
+              <a:rPr lang="pt-PT">
+                <a:solidFill>
+                  <a:schemeClr val="bg1"/>
+                </a:solidFill>
+              </a:rPr>
               <a:t>Remover a necessidade criar código no Genio.</a:t>
             </a:r>
           </a:p>
           <a:p>
             <a:r>
-              <a:rPr lang="pt-PT" dirty="0"/>
+              <a:rPr lang="pt-PT">
+                <a:solidFill>
+                  <a:schemeClr val="bg1"/>
+                </a:solidFill>
+              </a:rPr>
               <a:t>Remover a necessidade de gerar versão para confirmar alterações.</a:t>
             </a:r>
           </a:p>
           <a:p>
             <a:r>
-              <a:rPr lang="en-US" dirty="0" err="1"/>
-              <a:t>Agilizar</a:t>
-            </a:r>
-            <a:r>
-              <a:rPr lang="en-US" dirty="0"/>
-              <a:t> o </a:t>
-            </a:r>
-            <a:r>
-              <a:rPr lang="en-US" dirty="0" err="1"/>
-              <a:t>desenvolvimento</a:t>
-            </a:r>
-            <a:r>
-              <a:rPr lang="en-US" dirty="0"/>
-              <a:t> </a:t>
-            </a:r>
-            <a:r>
-              <a:rPr lang="pt-PT" dirty="0"/>
+              <a:rPr lang="en-US">
+                <a:solidFill>
+                  <a:schemeClr val="bg1"/>
+                </a:solidFill>
+              </a:rPr>
+              <a:t>Agilizar o desenvolvimento </a:t>
+            </a:r>
+            <a:r>
+              <a:rPr lang="pt-PT">
+                <a:solidFill>
+                  <a:schemeClr val="bg1"/>
+                </a:solidFill>
+              </a:rPr>
               <a:t>de código manual.</a:t>
             </a:r>
-            <a:endParaRPr lang="en-US" dirty="0"/>
+            <a:endParaRPr lang="en-US">
+              <a:solidFill>
+                <a:schemeClr val="bg1"/>
+              </a:solidFill>
+            </a:endParaRPr>
           </a:p>
         </p:txBody>
       </p:sp>
@@ -3883,6 +5572,16 @@
 <file path=ppt/slides/slide5.xml><?xml version="1.0" encoding="utf-8"?>
 <p:sld xmlns:a="http://schemas.openxmlformats.org/drawingml/2006/main" xmlns:r="http://schemas.openxmlformats.org/officeDocument/2006/relationships" xmlns:p="http://schemas.openxmlformats.org/presentationml/2006/main">
   <p:cSld>
+    <p:bg>
+      <p:bgPr>
+        <a:solidFill>
+          <a:schemeClr val="bg1">
+            <a:lumMod val="95000"/>
+          </a:schemeClr>
+        </a:solidFill>
+        <a:effectLst/>
+      </p:bgPr>
+    </p:bg>
     <p:spTree>
       <p:nvGrpSpPr>
         <p:cNvPr id="1" name=""/>
@@ -3897,12 +5596,157 @@
           <a:chExt cx="0" cy="0"/>
         </a:xfrm>
       </p:grpSpPr>
+      <p:sp useBgFill="1">
+        <p:nvSpPr>
+          <p:cNvPr id="9" name="Rectangle 8">
+            <a:extLst>
+              <a:ext uri="{FF2B5EF4-FFF2-40B4-BE49-F238E27FC236}">
+                <a16:creationId xmlns:a16="http://schemas.microsoft.com/office/drawing/2014/main" id="{1660E788-AFA9-4A1B-9991-6AA74632A15B}"/>
+              </a:ext>
+            </a:extLst>
+          </p:cNvPr>
+          <p:cNvSpPr>
+            <a:spLocks noGrp="1" noRot="1" noChangeAspect="1" noMove="1" noResize="1" noEditPoints="1" noAdjustHandles="1" noChangeArrowheads="1" noChangeShapeType="1" noTextEdit="1"/>
+          </p:cNvSpPr>
+          <p:nvPr>
+            <p:extLst>
+              <p:ext uri="{386F3935-93C4-4BCD-93E2-E3B085C9AB24}">
+                <p16:designElem xmlns:p16="http://schemas.microsoft.com/office/powerpoint/2015/main" val="1"/>
+              </p:ext>
+            </p:extLst>
+          </p:nvPr>
+        </p:nvSpPr>
+        <p:spPr>
+          <a:xfrm>
+            <a:off x="0" y="0"/>
+            <a:ext cx="12191999" cy="6858000"/>
+          </a:xfrm>
+          <a:prstGeom prst="rect">
+            <a:avLst/>
+          </a:prstGeom>
+          <a:ln>
+            <a:noFill/>
+          </a:ln>
+        </p:spPr>
+        <p:style>
+          <a:lnRef idx="2">
+            <a:schemeClr val="accent1">
+              <a:shade val="50000"/>
+            </a:schemeClr>
+          </a:lnRef>
+          <a:fillRef idx="1">
+            <a:schemeClr val="accent1"/>
+          </a:fillRef>
+          <a:effectRef idx="0">
+            <a:schemeClr val="accent1"/>
+          </a:effectRef>
+          <a:fontRef idx="minor">
+            <a:schemeClr val="lt1"/>
+          </a:fontRef>
+        </p:style>
+        <p:txBody>
+          <a:bodyPr rtlCol="0" anchor="ctr"/>
+          <a:lstStyle/>
+          <a:p>
+            <a:pPr algn="ctr"/>
+            <a:endParaRPr lang="en-US"/>
+          </a:p>
+        </p:txBody>
+      </p:sp>
+      <p:sp>
+        <p:nvSpPr>
+          <p:cNvPr id="11" name="Rectangle 10">
+            <a:extLst>
+              <a:ext uri="{FF2B5EF4-FFF2-40B4-BE49-F238E27FC236}">
+                <a16:creationId xmlns:a16="http://schemas.microsoft.com/office/drawing/2014/main" id="{867D4867-5BA7-4462-B2F6-A23F4A622AA7}"/>
+              </a:ext>
+            </a:extLst>
+          </p:cNvPr>
+          <p:cNvSpPr>
+            <a:spLocks noGrp="1" noRot="1" noChangeAspect="1" noMove="1" noResize="1" noEditPoints="1" noAdjustHandles="1" noChangeArrowheads="1" noChangeShapeType="1" noTextEdit="1"/>
+          </p:cNvSpPr>
+          <p:nvPr>
+            <p:extLst>
+              <p:ext uri="{386F3935-93C4-4BCD-93E2-E3B085C9AB24}">
+                <p16:designElem xmlns:p16="http://schemas.microsoft.com/office/powerpoint/2015/main" val="1"/>
+              </p:ext>
+            </p:extLst>
+          </p:nvPr>
+        </p:nvSpPr>
+        <p:spPr>
+          <a:xfrm>
+            <a:off x="0" y="0"/>
+            <a:ext cx="4654296" cy="6858000"/>
+          </a:xfrm>
+          <a:prstGeom prst="rect">
+            <a:avLst/>
+          </a:prstGeom>
+          <a:solidFill>
+            <a:schemeClr val="tx2"/>
+          </a:solidFill>
+          <a:ln>
+            <a:noFill/>
+          </a:ln>
+        </p:spPr>
+        <p:style>
+          <a:lnRef idx="0">
+            <a:scrgbClr r="0" g="0" b="0"/>
+          </a:lnRef>
+          <a:fillRef idx="0">
+            <a:scrgbClr r="0" g="0" b="0"/>
+          </a:fillRef>
+          <a:effectRef idx="0">
+            <a:scrgbClr r="0" g="0" b="0"/>
+          </a:effectRef>
+          <a:fontRef idx="minor">
+            <a:schemeClr val="lt1"/>
+          </a:fontRef>
+        </p:style>
+        <p:txBody>
+          <a:bodyPr rtlCol="0" anchor="ctr"/>
+          <a:lstStyle/>
+          <a:p>
+            <a:pPr algn="ctr"/>
+            <a:endParaRPr lang="en-US"/>
+          </a:p>
+        </p:txBody>
+      </p:sp>
+      <p:pic>
+        <p:nvPicPr>
+          <p:cNvPr id="4" name="Imagem 3" descr="Uma imagem com captura de ecrã&#10;&#10;Descrição gerada com confiança muito alta">
+            <a:extLst>
+              <a:ext uri="{FF2B5EF4-FFF2-40B4-BE49-F238E27FC236}">
+                <a16:creationId xmlns:a16="http://schemas.microsoft.com/office/drawing/2014/main" id="{ADA10D32-8D1E-422F-B204-6A0C0BF1994F}"/>
+              </a:ext>
+            </a:extLst>
+          </p:cNvPr>
+          <p:cNvPicPr>
+            <a:picLocks noChangeAspect="1"/>
+          </p:cNvPicPr>
+          <p:nvPr/>
+        </p:nvPicPr>
+        <p:blipFill>
+          <a:blip r:embed="rId2"/>
+          <a:stretch>
+            <a:fillRect/>
+          </a:stretch>
+        </p:blipFill>
+        <p:spPr>
+          <a:xfrm>
+            <a:off x="5297763" y="1090476"/>
+            <a:ext cx="6250769" cy="4516181"/>
+          </a:xfrm>
+          <a:prstGeom prst="rect">
+            <a:avLst/>
+          </a:prstGeom>
+        </p:spPr>
+      </p:pic>
       <p:sp>
         <p:nvSpPr>
           <p:cNvPr id="2" name="Título 1">
             <a:extLst>
               <a:ext uri="{FF2B5EF4-FFF2-40B4-BE49-F238E27FC236}">
-                <a16:creationId xmlns:a16="http://schemas.microsoft.com/office/drawing/2014/main" id="{D0908B3D-C814-40FD-B82E-A43085ADD226}"/>
+                <a16:creationId xmlns:a16="http://schemas.microsoft.com/office/drawing/2014/main" id="{779BEC28-29C4-4B8F-9021-6624C72A3FAD}"/>
               </a:ext>
             </a:extLst>
           </p:cNvPr>
@@ -3913,16 +5757,37 @@
             <p:ph type="title"/>
           </p:nvPr>
         </p:nvSpPr>
-        <p:spPr/>
-        <p:txBody>
-          <a:bodyPr/>
-          <a:lstStyle/>
-          <a:p>
-            <a:r>
-              <a:rPr lang="pt-PT" dirty="0"/>
-              <a:t>funcionalidades</a:t>
-            </a:r>
-            <a:endParaRPr lang="en-US" dirty="0"/>
+        <p:spPr>
+          <a:xfrm>
+            <a:off x="643467" y="643467"/>
+            <a:ext cx="3363974" cy="1728044"/>
+          </a:xfrm>
+          <a:noFill/>
+          <a:ln>
+            <a:solidFill>
+              <a:schemeClr val="bg1"/>
+            </a:solidFill>
+          </a:ln>
+        </p:spPr>
+        <p:txBody>
+          <a:bodyPr wrap="square">
+            <a:normAutofit/>
+          </a:bodyPr>
+          <a:lstStyle/>
+          <a:p>
+            <a:r>
+              <a:rPr lang="pt-PT" sz="2200">
+                <a:solidFill>
+                  <a:schemeClr val="bg1"/>
+                </a:solidFill>
+              </a:rPr>
+              <a:t>Funcionalidades</a:t>
+            </a:r>
+            <a:endParaRPr lang="en-US" sz="2200">
+              <a:solidFill>
+                <a:schemeClr val="bg1"/>
+              </a:solidFill>
+            </a:endParaRPr>
           </a:p>
         </p:txBody>
       </p:sp>
@@ -3931,7 +5796,7 @@
           <p:cNvPr id="3" name="Marcador de Posição de Conteúdo 2">
             <a:extLst>
               <a:ext uri="{FF2B5EF4-FFF2-40B4-BE49-F238E27FC236}">
-                <a16:creationId xmlns:a16="http://schemas.microsoft.com/office/drawing/2014/main" id="{C04BAFB6-78CD-40B7-82D2-5F5ADD0768DA}"/>
+                <a16:creationId xmlns:a16="http://schemas.microsoft.com/office/drawing/2014/main" id="{8E4721B6-D918-4C01-8A6D-9EACB8E4B1FE}"/>
               </a:ext>
             </a:extLst>
           </p:cNvPr>
@@ -3942,101 +5807,152 @@
             <p:ph idx="1"/>
           </p:nvPr>
         </p:nvSpPr>
-        <p:spPr/>
+        <p:spPr>
+          <a:xfrm>
+            <a:off x="643468" y="2638044"/>
+            <a:ext cx="3363974" cy="3415622"/>
+          </a:xfrm>
+        </p:spPr>
         <p:txBody>
           <a:bodyPr>
-            <a:normAutofit lnSpcReduction="10000"/>
+            <a:normAutofit/>
           </a:bodyPr>
           <a:lstStyle/>
           <a:p>
             <a:r>
-              <a:rPr lang="pt-PT" sz="2000" b="1" dirty="0"/>
+              <a:rPr lang="pt-BR" b="1" dirty="0">
+                <a:solidFill>
+                  <a:schemeClr val="bg1"/>
+                </a:solidFill>
+              </a:rPr>
               <a:t>Base</a:t>
             </a:r>
           </a:p>
           <a:p>
             <a:pPr lvl="1"/>
             <a:r>
-              <a:rPr lang="pt-PT" dirty="0"/>
+              <a:rPr lang="pt-BR" dirty="0">
+                <a:solidFill>
+                  <a:schemeClr val="bg1"/>
+                </a:solidFill>
+              </a:rPr>
               <a:t>Integração com múltiplos checkouts do Genio.</a:t>
             </a:r>
           </a:p>
           <a:p>
+            <a:pPr lvl="1">
+              <a:lnSpc>
+                <a:spcPct val="90000"/>
+              </a:lnSpc>
+            </a:pPr>
+            <a:r>
+              <a:rPr lang="pt-BR" dirty="0">
+                <a:solidFill>
+                  <a:schemeClr val="bg1"/>
+                </a:solidFill>
+              </a:rPr>
+              <a:t>Possibilidade de reverter commits feitos para o Genio.</a:t>
+            </a:r>
+          </a:p>
+          <a:p>
+            <a:r>
+              <a:rPr lang="pt-PT" b="1" dirty="0">
+                <a:solidFill>
+                  <a:schemeClr val="bg1"/>
+                </a:solidFill>
+              </a:rPr>
+              <a:t>Visual Studio 2008</a:t>
+            </a:r>
+          </a:p>
+          <a:p>
             <a:pPr lvl="1"/>
             <a:r>
-              <a:rPr lang="pt-PT" dirty="0"/>
-              <a:t>Possibilidade de reverter </a:t>
-            </a:r>
-            <a:r>
-              <a:rPr lang="pt-PT" dirty="0" err="1"/>
-              <a:t>commits</a:t>
-            </a:r>
-            <a:r>
-              <a:rPr lang="pt-PT" dirty="0"/>
-              <a:t> feitos para </a:t>
-            </a:r>
-            <a:r>
-              <a:rPr lang="pt-PT"/>
-              <a:t>o Genio.</a:t>
-            </a:r>
-            <a:endParaRPr lang="pt-PT" sz="2000" dirty="0"/>
-          </a:p>
-          <a:p>
-            <a:r>
-              <a:rPr lang="pt-PT" sz="2000" b="1" dirty="0"/>
-              <a:t>Commit</a:t>
-            </a:r>
-          </a:p>
-          <a:p>
-            <a:pPr lvl="1"/>
-            <a:r>
-              <a:rPr lang="pt-PT" dirty="0"/>
-              <a:t>Só diferenças entre o que está no Genio e o que está na </a:t>
-            </a:r>
-            <a:r>
-              <a:rPr lang="pt-PT" dirty="0" err="1"/>
-              <a:t>solution</a:t>
-            </a:r>
-            <a:r>
-              <a:rPr lang="pt-PT" dirty="0"/>
-              <a:t> é mostrada.</a:t>
-            </a:r>
-          </a:p>
-          <a:p>
-            <a:pPr lvl="1"/>
-            <a:r>
-              <a:rPr lang="pt-PT" dirty="0"/>
-              <a:t>Possibilidade de analisar todos os ficheiros da </a:t>
-            </a:r>
-            <a:r>
-              <a:rPr lang="pt-PT" dirty="0" err="1"/>
-              <a:t>solution</a:t>
-            </a:r>
-            <a:r>
-              <a:rPr lang="pt-PT" dirty="0"/>
-              <a:t>.</a:t>
-            </a:r>
-          </a:p>
-          <a:p>
-            <a:pPr lvl="1"/>
-            <a:r>
-              <a:rPr lang="pt-PT" dirty="0"/>
-              <a:t>Merge do que está no Genio e o que está na </a:t>
-            </a:r>
-            <a:r>
-              <a:rPr lang="pt-PT" dirty="0" err="1"/>
-              <a:t>solution</a:t>
-            </a:r>
-            <a:r>
-              <a:rPr lang="pt-PT" dirty="0"/>
-              <a:t>.</a:t>
-            </a:r>
-          </a:p>
-          <a:p>
-            <a:pPr lvl="1"/>
-            <a:r>
-              <a:rPr lang="pt-PT" dirty="0"/>
-              <a:t>Substituição automática dos índices gerados pelo Genio pelas keywords do /[FNTX …]/</a:t>
+              <a:rPr lang="pt-PT" i="1" dirty="0" err="1">
+                <a:solidFill>
+                  <a:schemeClr val="bg1"/>
+                </a:solidFill>
+              </a:rPr>
+              <a:t>Retarget</a:t>
+            </a:r>
+            <a:r>
+              <a:rPr lang="pt-PT" dirty="0">
+                <a:solidFill>
+                  <a:schemeClr val="bg1"/>
+                </a:solidFill>
+              </a:rPr>
+              <a:t> automático do </a:t>
+            </a:r>
+            <a:r>
+              <a:rPr lang="pt-PT" i="1" dirty="0" err="1">
+                <a:solidFill>
+                  <a:schemeClr val="bg1"/>
+                </a:solidFill>
+              </a:rPr>
+              <a:t>Plataform</a:t>
+            </a:r>
+            <a:r>
+              <a:rPr lang="pt-PT" i="1" dirty="0">
+                <a:solidFill>
+                  <a:schemeClr val="bg1"/>
+                </a:solidFill>
+              </a:rPr>
+              <a:t> </a:t>
+            </a:r>
+            <a:r>
+              <a:rPr lang="pt-PT" i="1" dirty="0" err="1">
+                <a:solidFill>
+                  <a:schemeClr val="bg1"/>
+                </a:solidFill>
+              </a:rPr>
+              <a:t>Tool</a:t>
+            </a:r>
+            <a:r>
+              <a:rPr lang="pt-PT" i="1" dirty="0">
+                <a:solidFill>
+                  <a:schemeClr val="bg1"/>
+                </a:solidFill>
+              </a:rPr>
+              <a:t> Set </a:t>
+            </a:r>
+            <a:r>
+              <a:rPr lang="pt-PT" dirty="0">
+                <a:solidFill>
+                  <a:schemeClr val="bg1"/>
+                </a:solidFill>
+              </a:rPr>
+              <a:t>para o compilador do Visual Studio 2008 em </a:t>
+            </a:r>
+            <a:r>
+              <a:rPr lang="pt-PT" dirty="0" err="1">
+                <a:solidFill>
+                  <a:schemeClr val="bg1"/>
+                </a:solidFill>
+              </a:rPr>
+              <a:t>solutions</a:t>
+            </a:r>
+            <a:r>
+              <a:rPr lang="pt-PT" dirty="0">
+                <a:solidFill>
+                  <a:schemeClr val="bg1"/>
+                </a:solidFill>
+              </a:rPr>
+              <a:t> de Visual C++ (</a:t>
+            </a:r>
+            <a:r>
+              <a:rPr lang="pt-PT" dirty="0" err="1">
+                <a:solidFill>
+                  <a:schemeClr val="bg1"/>
+                </a:solidFill>
+              </a:rPr>
+              <a:t>Backoffice</a:t>
+            </a:r>
+            <a:r>
+              <a:rPr lang="pt-PT" dirty="0">
+                <a:solidFill>
+                  <a:schemeClr val="bg1"/>
+                </a:solidFill>
+              </a:rPr>
+              <a:t>).</a:t>
             </a:r>
           </a:p>
         </p:txBody>
@@ -4044,7 +5960,7 @@
     </p:spTree>
     <p:extLst>
       <p:ext uri="{BB962C8B-B14F-4D97-AF65-F5344CB8AC3E}">
-        <p14:creationId xmlns:p14="http://schemas.microsoft.com/office/powerpoint/2010/main" val="179409486"/>
+        <p14:creationId xmlns:p14="http://schemas.microsoft.com/office/powerpoint/2010/main" val="776349636"/>
       </p:ext>
     </p:extLst>
   </p:cSld>
@@ -4057,6 +5973,16 @@
 <file path=ppt/slides/slide6.xml><?xml version="1.0" encoding="utf-8"?>
 <p:sld xmlns:a="http://schemas.openxmlformats.org/drawingml/2006/main" xmlns:r="http://schemas.openxmlformats.org/officeDocument/2006/relationships" xmlns:p="http://schemas.openxmlformats.org/presentationml/2006/main">
   <p:cSld>
+    <p:bg>
+      <p:bgPr>
+        <a:solidFill>
+          <a:schemeClr val="bg1">
+            <a:lumMod val="95000"/>
+          </a:schemeClr>
+        </a:solidFill>
+        <a:effectLst/>
+      </p:bgPr>
+    </p:bg>
     <p:spTree>
       <p:nvGrpSpPr>
         <p:cNvPr id="1" name=""/>
@@ -4071,12 +5997,157 @@
           <a:chExt cx="0" cy="0"/>
         </a:xfrm>
       </p:grpSpPr>
+      <p:sp useBgFill="1">
+        <p:nvSpPr>
+          <p:cNvPr id="24" name="Rectangle 23">
+            <a:extLst>
+              <a:ext uri="{FF2B5EF4-FFF2-40B4-BE49-F238E27FC236}">
+                <a16:creationId xmlns:a16="http://schemas.microsoft.com/office/drawing/2014/main" id="{1660E788-AFA9-4A1B-9991-6AA74632A15B}"/>
+              </a:ext>
+            </a:extLst>
+          </p:cNvPr>
+          <p:cNvSpPr>
+            <a:spLocks noGrp="1" noRot="1" noChangeAspect="1" noMove="1" noResize="1" noEditPoints="1" noAdjustHandles="1" noChangeArrowheads="1" noChangeShapeType="1" noTextEdit="1"/>
+          </p:cNvSpPr>
+          <p:nvPr>
+            <p:extLst>
+              <p:ext uri="{386F3935-93C4-4BCD-93E2-E3B085C9AB24}">
+                <p16:designElem xmlns:p16="http://schemas.microsoft.com/office/powerpoint/2015/main" val="1"/>
+              </p:ext>
+            </p:extLst>
+          </p:nvPr>
+        </p:nvSpPr>
+        <p:spPr>
+          <a:xfrm>
+            <a:off x="0" y="0"/>
+            <a:ext cx="12191999" cy="6858000"/>
+          </a:xfrm>
+          <a:prstGeom prst="rect">
+            <a:avLst/>
+          </a:prstGeom>
+          <a:ln>
+            <a:noFill/>
+          </a:ln>
+        </p:spPr>
+        <p:style>
+          <a:lnRef idx="2">
+            <a:schemeClr val="accent1">
+              <a:shade val="50000"/>
+            </a:schemeClr>
+          </a:lnRef>
+          <a:fillRef idx="1">
+            <a:schemeClr val="accent1"/>
+          </a:fillRef>
+          <a:effectRef idx="0">
+            <a:schemeClr val="accent1"/>
+          </a:effectRef>
+          <a:fontRef idx="minor">
+            <a:schemeClr val="lt1"/>
+          </a:fontRef>
+        </p:style>
+        <p:txBody>
+          <a:bodyPr rtlCol="0" anchor="ctr"/>
+          <a:lstStyle/>
+          <a:p>
+            <a:pPr algn="ctr"/>
+            <a:endParaRPr lang="en-US"/>
+          </a:p>
+        </p:txBody>
+      </p:sp>
+      <p:sp>
+        <p:nvSpPr>
+          <p:cNvPr id="26" name="Rectangle 25">
+            <a:extLst>
+              <a:ext uri="{FF2B5EF4-FFF2-40B4-BE49-F238E27FC236}">
+                <a16:creationId xmlns:a16="http://schemas.microsoft.com/office/drawing/2014/main" id="{867D4867-5BA7-4462-B2F6-A23F4A622AA7}"/>
+              </a:ext>
+            </a:extLst>
+          </p:cNvPr>
+          <p:cNvSpPr>
+            <a:spLocks noGrp="1" noRot="1" noChangeAspect="1" noMove="1" noResize="1" noEditPoints="1" noAdjustHandles="1" noChangeArrowheads="1" noChangeShapeType="1" noTextEdit="1"/>
+          </p:cNvSpPr>
+          <p:nvPr>
+            <p:extLst>
+              <p:ext uri="{386F3935-93C4-4BCD-93E2-E3B085C9AB24}">
+                <p16:designElem xmlns:p16="http://schemas.microsoft.com/office/powerpoint/2015/main" val="1"/>
+              </p:ext>
+            </p:extLst>
+          </p:nvPr>
+        </p:nvSpPr>
+        <p:spPr>
+          <a:xfrm>
+            <a:off x="0" y="0"/>
+            <a:ext cx="4654296" cy="6858000"/>
+          </a:xfrm>
+          <a:prstGeom prst="rect">
+            <a:avLst/>
+          </a:prstGeom>
+          <a:solidFill>
+            <a:schemeClr val="tx2"/>
+          </a:solidFill>
+          <a:ln>
+            <a:noFill/>
+          </a:ln>
+        </p:spPr>
+        <p:style>
+          <a:lnRef idx="0">
+            <a:scrgbClr r="0" g="0" b="0"/>
+          </a:lnRef>
+          <a:fillRef idx="0">
+            <a:scrgbClr r="0" g="0" b="0"/>
+          </a:fillRef>
+          <a:effectRef idx="0">
+            <a:scrgbClr r="0" g="0" b="0"/>
+          </a:effectRef>
+          <a:fontRef idx="minor">
+            <a:schemeClr val="lt1"/>
+          </a:fontRef>
+        </p:style>
+        <p:txBody>
+          <a:bodyPr rtlCol="0" anchor="ctr"/>
+          <a:lstStyle/>
+          <a:p>
+            <a:pPr algn="ctr"/>
+            <a:endParaRPr lang="en-US"/>
+          </a:p>
+        </p:txBody>
+      </p:sp>
+      <p:pic>
+        <p:nvPicPr>
+          <p:cNvPr id="11" name="Imagem 10" descr="Uma imagem com captura de ecrã, computador&#10;&#10;Descrição gerada com confiança muito alta">
+            <a:extLst>
+              <a:ext uri="{FF2B5EF4-FFF2-40B4-BE49-F238E27FC236}">
+                <a16:creationId xmlns:a16="http://schemas.microsoft.com/office/drawing/2014/main" id="{F321D5DB-FBF0-42F0-939C-6BD19D70BE5B}"/>
+              </a:ext>
+            </a:extLst>
+          </p:cNvPr>
+          <p:cNvPicPr>
+            <a:picLocks noChangeAspect="1"/>
+          </p:cNvPicPr>
+          <p:nvPr/>
+        </p:nvPicPr>
+        <p:blipFill>
+          <a:blip r:embed="rId2"/>
+          <a:stretch>
+            <a:fillRect/>
+          </a:stretch>
+        </p:blipFill>
+        <p:spPr>
+          <a:xfrm>
+            <a:off x="5297763" y="1653046"/>
+            <a:ext cx="6250769" cy="3391041"/>
+          </a:xfrm>
+          <a:prstGeom prst="rect">
+            <a:avLst/>
+          </a:prstGeom>
+        </p:spPr>
+      </p:pic>
       <p:sp>
         <p:nvSpPr>
           <p:cNvPr id="2" name="Título 1">
             <a:extLst>
               <a:ext uri="{FF2B5EF4-FFF2-40B4-BE49-F238E27FC236}">
-                <a16:creationId xmlns:a16="http://schemas.microsoft.com/office/drawing/2014/main" id="{779BEC28-29C4-4B8F-9021-6624C72A3FAD}"/>
+                <a16:creationId xmlns:a16="http://schemas.microsoft.com/office/drawing/2014/main" id="{D0908B3D-C814-40FD-B82E-A43085ADD226}"/>
               </a:ext>
             </a:extLst>
           </p:cNvPr>
@@ -4087,16 +6158,37 @@
             <p:ph type="title"/>
           </p:nvPr>
         </p:nvSpPr>
-        <p:spPr/>
-        <p:txBody>
-          <a:bodyPr/>
-          <a:lstStyle/>
-          <a:p>
-            <a:r>
-              <a:rPr lang="pt-PT" dirty="0"/>
-              <a:t>Funcionalidades</a:t>
-            </a:r>
-            <a:endParaRPr lang="en-US" dirty="0"/>
+        <p:spPr>
+          <a:xfrm>
+            <a:off x="643467" y="643467"/>
+            <a:ext cx="3363974" cy="1728044"/>
+          </a:xfrm>
+          <a:noFill/>
+          <a:ln>
+            <a:solidFill>
+              <a:schemeClr val="bg1"/>
+            </a:solidFill>
+          </a:ln>
+        </p:spPr>
+        <p:txBody>
+          <a:bodyPr wrap="square">
+            <a:normAutofit/>
+          </a:bodyPr>
+          <a:lstStyle/>
+          <a:p>
+            <a:r>
+              <a:rPr lang="pt-PT" sz="2200">
+                <a:solidFill>
+                  <a:schemeClr val="bg1"/>
+                </a:solidFill>
+              </a:rPr>
+              <a:t>funcionalidades</a:t>
+            </a:r>
+            <a:endParaRPr lang="en-US" sz="2200">
+              <a:solidFill>
+                <a:schemeClr val="bg1"/>
+              </a:solidFill>
+            </a:endParaRPr>
           </a:p>
         </p:txBody>
       </p:sp>
@@ -4105,7 +6197,7 @@
           <p:cNvPr id="3" name="Marcador de Posição de Conteúdo 2">
             <a:extLst>
               <a:ext uri="{FF2B5EF4-FFF2-40B4-BE49-F238E27FC236}">
-                <a16:creationId xmlns:a16="http://schemas.microsoft.com/office/drawing/2014/main" id="{8E4721B6-D918-4C01-8A6D-9EACB8E4B1FE}"/>
+                <a16:creationId xmlns:a16="http://schemas.microsoft.com/office/drawing/2014/main" id="{C04BAFB6-78CD-40B7-82D2-5F5ADD0768DA}"/>
               </a:ext>
             </a:extLst>
           </p:cNvPr>
@@ -4116,134 +6208,69 @@
             <p:ph idx="1"/>
           </p:nvPr>
         </p:nvSpPr>
-        <p:spPr/>
+        <p:spPr>
+          <a:xfrm>
+            <a:off x="643468" y="2638044"/>
+            <a:ext cx="3363974" cy="3415622"/>
+          </a:xfrm>
+        </p:spPr>
         <p:txBody>
           <a:bodyPr>
-            <a:normAutofit fontScale="85000" lnSpcReduction="20000"/>
+            <a:normAutofit/>
           </a:bodyPr>
           <a:lstStyle/>
           <a:p>
             <a:r>
-              <a:rPr lang="pt-PT" sz="2000" b="1" dirty="0" err="1"/>
-              <a:t>Update</a:t>
-            </a:r>
-            <a:endParaRPr lang="pt-PT" sz="2000" b="1" dirty="0"/>
+              <a:rPr lang="pt-PT" b="1">
+                <a:solidFill>
+                  <a:schemeClr val="bg1"/>
+                </a:solidFill>
+              </a:rPr>
+              <a:t>Commit</a:t>
+            </a:r>
           </a:p>
           <a:p>
             <a:pPr lvl="1"/>
             <a:r>
-              <a:rPr lang="pt-PT" dirty="0"/>
-              <a:t>Atualizar o código que está na </a:t>
-            </a:r>
-            <a:r>
-              <a:rPr lang="pt-PT" dirty="0" err="1"/>
-              <a:t>solution</a:t>
-            </a:r>
-            <a:r>
-              <a:rPr lang="pt-PT" dirty="0"/>
-              <a:t> com o que está no Genio.</a:t>
-            </a:r>
-          </a:p>
-          <a:p>
-            <a:r>
-              <a:rPr lang="pt-PT" sz="2000" b="1" dirty="0"/>
-              <a:t>Criação</a:t>
+              <a:rPr lang="pt-PT">
+                <a:solidFill>
+                  <a:schemeClr val="bg1"/>
+                </a:solidFill>
+              </a:rPr>
+              <a:t>Só diferenças entre o que está no Genio e o que está na solution é mostrada.</a:t>
             </a:r>
           </a:p>
           <a:p>
             <a:pPr lvl="1"/>
             <a:r>
-              <a:rPr lang="pt-PT" dirty="0"/>
-              <a:t>Criação de código manual </a:t>
-            </a:r>
-          </a:p>
-          <a:p>
-            <a:r>
-              <a:rPr lang="pt-PT" sz="2000" b="1" dirty="0"/>
-              <a:t>Pesquisas</a:t>
+              <a:rPr lang="pt-PT">
+                <a:solidFill>
+                  <a:schemeClr val="bg1"/>
+                </a:solidFill>
+              </a:rPr>
+              <a:t>Possibilidade de analisar todos os ficheiros da solution.</a:t>
             </a:r>
           </a:p>
           <a:p>
             <a:pPr lvl="1"/>
             <a:r>
-              <a:rPr lang="pt-PT" dirty="0"/>
-              <a:t>Pesquisas ao código manual e às </a:t>
-            </a:r>
-            <a:r>
-              <a:rPr lang="pt-PT" dirty="0" err="1"/>
-              <a:t>functions</a:t>
-            </a:r>
-            <a:r>
-              <a:rPr lang="pt-PT" dirty="0"/>
-              <a:t> no Genio.</a:t>
+              <a:rPr lang="pt-PT">
+                <a:solidFill>
+                  <a:schemeClr val="bg1"/>
+                </a:solidFill>
+              </a:rPr>
+              <a:t>Merge do que está no Genio e o que está na solution.</a:t>
             </a:r>
           </a:p>
           <a:p>
             <a:pPr lvl="1"/>
             <a:r>
-              <a:rPr lang="pt-PT" dirty="0"/>
-              <a:t>Visualização e alterações no Visual Studio.</a:t>
-            </a:r>
-          </a:p>
-          <a:p>
-            <a:r>
-              <a:rPr lang="pt-PT" sz="2000" b="1" dirty="0"/>
-              <a:t>Visual Studio 2008</a:t>
-            </a:r>
-          </a:p>
-          <a:p>
-            <a:pPr lvl="1"/>
-            <a:r>
-              <a:rPr lang="pt-PT" i="1" dirty="0" err="1"/>
-              <a:t>Retarget</a:t>
-            </a:r>
-            <a:r>
-              <a:rPr lang="pt-PT" dirty="0"/>
-              <a:t> automático do </a:t>
-            </a:r>
-            <a:r>
-              <a:rPr lang="pt-PT" i="1" dirty="0" err="1"/>
-              <a:t>Plataform</a:t>
-            </a:r>
-            <a:r>
-              <a:rPr lang="pt-PT" i="1" dirty="0"/>
-              <a:t> </a:t>
-            </a:r>
-            <a:r>
-              <a:rPr lang="pt-PT" i="1" dirty="0" err="1"/>
-              <a:t>Tool</a:t>
-            </a:r>
-            <a:r>
-              <a:rPr lang="pt-PT" i="1" dirty="0"/>
-              <a:t> Set </a:t>
-            </a:r>
-            <a:r>
-              <a:rPr lang="pt-PT" dirty="0"/>
-              <a:t>para o compilador do </a:t>
-            </a:r>
-            <a:r>
-              <a:rPr lang="pt-PT"/>
-              <a:t>Visual Studio </a:t>
-            </a:r>
-            <a:r>
-              <a:rPr lang="pt-PT" dirty="0"/>
-              <a:t>2008 em </a:t>
-            </a:r>
-            <a:r>
-              <a:rPr lang="pt-PT" dirty="0" err="1"/>
-              <a:t>solutions</a:t>
-            </a:r>
-            <a:r>
-              <a:rPr lang="pt-PT" dirty="0"/>
-              <a:t> de Visual C++ (</a:t>
-            </a:r>
-            <a:r>
-              <a:rPr lang="pt-PT" dirty="0" err="1"/>
-              <a:t>Backoffice</a:t>
-            </a:r>
-            <a:r>
-              <a:rPr lang="pt-PT" dirty="0"/>
-              <a:t>).</a:t>
+              <a:rPr lang="pt-PT">
+                <a:solidFill>
+                  <a:schemeClr val="bg1"/>
+                </a:solidFill>
+              </a:rPr>
+              <a:t>Substituição automática dos índices gerados pelo Genio pelas keywords do /[FNTX …]/</a:t>
             </a:r>
           </a:p>
         </p:txBody>
@@ -4251,7 +6278,7 @@
     </p:spTree>
     <p:extLst>
       <p:ext uri="{BB962C8B-B14F-4D97-AF65-F5344CB8AC3E}">
-        <p14:creationId xmlns:p14="http://schemas.microsoft.com/office/powerpoint/2010/main" val="2507365141"/>
+        <p14:creationId xmlns:p14="http://schemas.microsoft.com/office/powerpoint/2010/main" val="179409486"/>
       </p:ext>
     </p:extLst>
   </p:cSld>
@@ -4264,6 +6291,16 @@
 <file path=ppt/slides/slide7.xml><?xml version="1.0" encoding="utf-8"?>
 <p:sld xmlns:a="http://schemas.openxmlformats.org/drawingml/2006/main" xmlns:r="http://schemas.openxmlformats.org/officeDocument/2006/relationships" xmlns:p="http://schemas.openxmlformats.org/presentationml/2006/main">
   <p:cSld>
+    <p:bg>
+      <p:bgPr>
+        <a:solidFill>
+          <a:schemeClr val="bg1">
+            <a:lumMod val="95000"/>
+          </a:schemeClr>
+        </a:solidFill>
+        <a:effectLst/>
+      </p:bgPr>
+    </p:bg>
     <p:spTree>
       <p:nvGrpSpPr>
         <p:cNvPr id="1" name=""/>
@@ -4278,12 +6315,157 @@
           <a:chExt cx="0" cy="0"/>
         </a:xfrm>
       </p:grpSpPr>
+      <p:sp useBgFill="1">
+        <p:nvSpPr>
+          <p:cNvPr id="10" name="Rectangle 9">
+            <a:extLst>
+              <a:ext uri="{FF2B5EF4-FFF2-40B4-BE49-F238E27FC236}">
+                <a16:creationId xmlns:a16="http://schemas.microsoft.com/office/drawing/2014/main" id="{1660E788-AFA9-4A1B-9991-6AA74632A15B}"/>
+              </a:ext>
+            </a:extLst>
+          </p:cNvPr>
+          <p:cNvSpPr>
+            <a:spLocks noGrp="1" noRot="1" noChangeAspect="1" noMove="1" noResize="1" noEditPoints="1" noAdjustHandles="1" noChangeArrowheads="1" noChangeShapeType="1" noTextEdit="1"/>
+          </p:cNvSpPr>
+          <p:nvPr>
+            <p:extLst>
+              <p:ext uri="{386F3935-93C4-4BCD-93E2-E3B085C9AB24}">
+                <p16:designElem xmlns:p16="http://schemas.microsoft.com/office/powerpoint/2015/main" val="1"/>
+              </p:ext>
+            </p:extLst>
+          </p:nvPr>
+        </p:nvSpPr>
+        <p:spPr>
+          <a:xfrm>
+            <a:off x="0" y="0"/>
+            <a:ext cx="12191999" cy="6858000"/>
+          </a:xfrm>
+          <a:prstGeom prst="rect">
+            <a:avLst/>
+          </a:prstGeom>
+          <a:ln>
+            <a:noFill/>
+          </a:ln>
+        </p:spPr>
+        <p:style>
+          <a:lnRef idx="2">
+            <a:schemeClr val="accent1">
+              <a:shade val="50000"/>
+            </a:schemeClr>
+          </a:lnRef>
+          <a:fillRef idx="1">
+            <a:schemeClr val="accent1"/>
+          </a:fillRef>
+          <a:effectRef idx="0">
+            <a:schemeClr val="accent1"/>
+          </a:effectRef>
+          <a:fontRef idx="minor">
+            <a:schemeClr val="lt1"/>
+          </a:fontRef>
+        </p:style>
+        <p:txBody>
+          <a:bodyPr rtlCol="0" anchor="ctr"/>
+          <a:lstStyle/>
+          <a:p>
+            <a:pPr algn="ctr"/>
+            <a:endParaRPr lang="en-US"/>
+          </a:p>
+        </p:txBody>
+      </p:sp>
+      <p:sp>
+        <p:nvSpPr>
+          <p:cNvPr id="12" name="Rectangle 11">
+            <a:extLst>
+              <a:ext uri="{FF2B5EF4-FFF2-40B4-BE49-F238E27FC236}">
+                <a16:creationId xmlns:a16="http://schemas.microsoft.com/office/drawing/2014/main" id="{867D4867-5BA7-4462-B2F6-A23F4A622AA7}"/>
+              </a:ext>
+            </a:extLst>
+          </p:cNvPr>
+          <p:cNvSpPr>
+            <a:spLocks noGrp="1" noRot="1" noChangeAspect="1" noMove="1" noResize="1" noEditPoints="1" noAdjustHandles="1" noChangeArrowheads="1" noChangeShapeType="1" noTextEdit="1"/>
+          </p:cNvSpPr>
+          <p:nvPr>
+            <p:extLst>
+              <p:ext uri="{386F3935-93C4-4BCD-93E2-E3B085C9AB24}">
+                <p16:designElem xmlns:p16="http://schemas.microsoft.com/office/powerpoint/2015/main" val="1"/>
+              </p:ext>
+            </p:extLst>
+          </p:nvPr>
+        </p:nvSpPr>
+        <p:spPr>
+          <a:xfrm>
+            <a:off x="0" y="0"/>
+            <a:ext cx="4654296" cy="6858000"/>
+          </a:xfrm>
+          <a:prstGeom prst="rect">
+            <a:avLst/>
+          </a:prstGeom>
+          <a:solidFill>
+            <a:schemeClr val="tx2"/>
+          </a:solidFill>
+          <a:ln>
+            <a:noFill/>
+          </a:ln>
+        </p:spPr>
+        <p:style>
+          <a:lnRef idx="0">
+            <a:scrgbClr r="0" g="0" b="0"/>
+          </a:lnRef>
+          <a:fillRef idx="0">
+            <a:scrgbClr r="0" g="0" b="0"/>
+          </a:fillRef>
+          <a:effectRef idx="0">
+            <a:scrgbClr r="0" g="0" b="0"/>
+          </a:effectRef>
+          <a:fontRef idx="minor">
+            <a:schemeClr val="lt1"/>
+          </a:fontRef>
+        </p:style>
+        <p:txBody>
+          <a:bodyPr rtlCol="0" anchor="ctr"/>
+          <a:lstStyle/>
+          <a:p>
+            <a:pPr algn="ctr"/>
+            <a:endParaRPr lang="en-US"/>
+          </a:p>
+        </p:txBody>
+      </p:sp>
+      <p:pic>
+        <p:nvPicPr>
+          <p:cNvPr id="5" name="Imagem 4" descr="Uma imagem com captura de ecrã, interior, computador, portátil&#10;&#10;Descrição gerada com confiança alta">
+            <a:extLst>
+              <a:ext uri="{FF2B5EF4-FFF2-40B4-BE49-F238E27FC236}">
+                <a16:creationId xmlns:a16="http://schemas.microsoft.com/office/drawing/2014/main" id="{C8FEB2B4-2E3C-4BD9-8EBD-94125448B1BD}"/>
+              </a:ext>
+            </a:extLst>
+          </p:cNvPr>
+          <p:cNvPicPr>
+            <a:picLocks noChangeAspect="1"/>
+          </p:cNvPicPr>
+          <p:nvPr/>
+        </p:nvPicPr>
+        <p:blipFill>
+          <a:blip r:embed="rId2"/>
+          <a:stretch>
+            <a:fillRect/>
+          </a:stretch>
+        </p:blipFill>
+        <p:spPr>
+          <a:xfrm>
+            <a:off x="5297763" y="1653046"/>
+            <a:ext cx="6250769" cy="3391041"/>
+          </a:xfrm>
+          <a:prstGeom prst="rect">
+            <a:avLst/>
+          </a:prstGeom>
+        </p:spPr>
+      </p:pic>
       <p:sp>
         <p:nvSpPr>
           <p:cNvPr id="2" name="Título 1">
             <a:extLst>
               <a:ext uri="{FF2B5EF4-FFF2-40B4-BE49-F238E27FC236}">
-                <a16:creationId xmlns:a16="http://schemas.microsoft.com/office/drawing/2014/main" id="{939EAE8D-FB4C-40D0-AE0D-6A047EF8756B}"/>
+                <a16:creationId xmlns:a16="http://schemas.microsoft.com/office/drawing/2014/main" id="{779BEC28-29C4-4B8F-9021-6624C72A3FAD}"/>
               </a:ext>
             </a:extLst>
           </p:cNvPr>
@@ -4294,16 +6476,37 @@
             <p:ph type="title"/>
           </p:nvPr>
         </p:nvSpPr>
-        <p:spPr/>
-        <p:txBody>
-          <a:bodyPr/>
-          <a:lstStyle/>
-          <a:p>
-            <a:r>
-              <a:rPr lang="pt-PT" dirty="0"/>
-              <a:t>Como funciona</a:t>
-            </a:r>
-            <a:endParaRPr lang="en-US" dirty="0"/>
+        <p:spPr>
+          <a:xfrm>
+            <a:off x="643467" y="643467"/>
+            <a:ext cx="3363974" cy="1728044"/>
+          </a:xfrm>
+          <a:noFill/>
+          <a:ln>
+            <a:solidFill>
+              <a:schemeClr val="bg1"/>
+            </a:solidFill>
+          </a:ln>
+        </p:spPr>
+        <p:txBody>
+          <a:bodyPr wrap="square">
+            <a:normAutofit/>
+          </a:bodyPr>
+          <a:lstStyle/>
+          <a:p>
+            <a:r>
+              <a:rPr lang="pt-PT" sz="2200">
+                <a:solidFill>
+                  <a:schemeClr val="bg1"/>
+                </a:solidFill>
+              </a:rPr>
+              <a:t>Funcionalidades</a:t>
+            </a:r>
+            <a:endParaRPr lang="en-US" sz="2200">
+              <a:solidFill>
+                <a:schemeClr val="bg1"/>
+              </a:solidFill>
+            </a:endParaRPr>
           </a:p>
         </p:txBody>
       </p:sp>
@@ -4312,7 +6515,7 @@
           <p:cNvPr id="3" name="Marcador de Posição de Conteúdo 2">
             <a:extLst>
               <a:ext uri="{FF2B5EF4-FFF2-40B4-BE49-F238E27FC236}">
-                <a16:creationId xmlns:a16="http://schemas.microsoft.com/office/drawing/2014/main" id="{5EDC5D48-D203-4514-8645-B7BF9CC7B55F}"/>
+                <a16:creationId xmlns:a16="http://schemas.microsoft.com/office/drawing/2014/main" id="{8E4721B6-D918-4C01-8A6D-9EACB8E4B1FE}"/>
               </a:ext>
             </a:extLst>
           </p:cNvPr>
@@ -4323,208 +6526,863 @@
             <p:ph idx="1"/>
           </p:nvPr>
         </p:nvSpPr>
-        <p:spPr/>
-        <p:txBody>
-          <a:bodyPr/>
-          <a:lstStyle/>
-          <a:p>
-            <a:r>
-              <a:rPr lang="pt-PT" dirty="0"/>
-              <a:t>Utiliza as tags que são geradas para o código manual:</a:t>
-            </a:r>
-          </a:p>
-          <a:p>
-            <a:pPr lvl="1"/>
-            <a:r>
-              <a:rPr lang="en-US" dirty="0"/>
-              <a:t>BEGIN_MANUALCODE_CODMANUA:4AA02AF1-4831-4278-919F-679C124CB75F</a:t>
-            </a:r>
-          </a:p>
-          <a:p>
-            <a:pPr lvl="1"/>
-            <a:r>
-              <a:rPr lang="en-US" dirty="0"/>
-              <a:t>END_MANUALCODE</a:t>
-            </a:r>
-          </a:p>
-          <a:p>
-            <a:r>
-              <a:rPr lang="pt-PT" dirty="0"/>
-              <a:t>C</a:t>
-            </a:r>
-            <a:r>
-              <a:rPr lang="en-US" dirty="0" err="1"/>
-              <a:t>ommits</a:t>
-            </a:r>
-            <a:r>
-              <a:rPr lang="en-US" dirty="0"/>
-              <a:t> </a:t>
-            </a:r>
-            <a:r>
-              <a:rPr lang="en-US" dirty="0" err="1"/>
-              <a:t>são</a:t>
-            </a:r>
-            <a:r>
-              <a:rPr lang="en-US" dirty="0"/>
-              <a:t> </a:t>
-            </a:r>
-            <a:r>
-              <a:rPr lang="en-US" dirty="0" err="1"/>
-              <a:t>feitos</a:t>
-            </a:r>
-            <a:r>
-              <a:rPr lang="en-US" dirty="0"/>
-              <a:t> com base </a:t>
-            </a:r>
-            <a:r>
-              <a:rPr lang="en-US" dirty="0" err="1"/>
-              <a:t>na</a:t>
-            </a:r>
-            <a:r>
-              <a:rPr lang="en-US" dirty="0"/>
-              <a:t> </a:t>
-            </a:r>
-            <a:r>
-              <a:rPr lang="en-US" dirty="0" err="1"/>
-              <a:t>posição</a:t>
-            </a:r>
-            <a:r>
-              <a:rPr lang="en-US" dirty="0"/>
-              <a:t> do cursor </a:t>
-            </a:r>
-            <a:r>
-              <a:rPr lang="en-US" dirty="0" err="1"/>
-              <a:t>ou</a:t>
-            </a:r>
-            <a:r>
-              <a:rPr lang="en-US" dirty="0"/>
-              <a:t> </a:t>
-            </a:r>
-            <a:r>
-              <a:rPr lang="en-US" dirty="0" err="1"/>
-              <a:t>texto</a:t>
-            </a:r>
-            <a:r>
-              <a:rPr lang="en-US" dirty="0"/>
-              <a:t> </a:t>
-            </a:r>
-            <a:r>
-              <a:rPr lang="en-US" dirty="0" err="1"/>
-              <a:t>selecionado</a:t>
-            </a:r>
-            <a:r>
-              <a:rPr lang="en-US" dirty="0"/>
-              <a:t>.</a:t>
-            </a:r>
-          </a:p>
-          <a:p>
-            <a:r>
-              <a:rPr lang="pt-PT" dirty="0"/>
-              <a:t>C</a:t>
-            </a:r>
-            <a:r>
-              <a:rPr lang="en-US" dirty="0" err="1"/>
-              <a:t>ommit</a:t>
-            </a:r>
-            <a:r>
-              <a:rPr lang="en-US" dirty="0"/>
-              <a:t> da solution </a:t>
-            </a:r>
-            <a:r>
-              <a:rPr lang="en-US" dirty="0" err="1"/>
-              <a:t>pode</a:t>
-            </a:r>
-            <a:r>
-              <a:rPr lang="en-US" dirty="0"/>
-              <a:t> </a:t>
-            </a:r>
-            <a:r>
-              <a:rPr lang="en-US" dirty="0" err="1"/>
-              <a:t>ser</a:t>
-            </a:r>
-            <a:r>
-              <a:rPr lang="en-US" dirty="0"/>
-              <a:t> </a:t>
-            </a:r>
-            <a:r>
-              <a:rPr lang="en-US" dirty="0" err="1"/>
-              <a:t>feita</a:t>
-            </a:r>
-            <a:r>
-              <a:rPr lang="en-US" dirty="0"/>
-              <a:t> </a:t>
-            </a:r>
-            <a:r>
-              <a:rPr lang="en-US" dirty="0" err="1"/>
-              <a:t>somente</a:t>
-            </a:r>
-            <a:r>
-              <a:rPr lang="en-US" dirty="0"/>
-              <a:t> </a:t>
-            </a:r>
-            <a:r>
-              <a:rPr lang="en-US" dirty="0" err="1"/>
-              <a:t>sobre</a:t>
-            </a:r>
-            <a:r>
-              <a:rPr lang="en-US" dirty="0"/>
-              <a:t> </a:t>
-            </a:r>
-            <a:r>
-              <a:rPr lang="en-US" dirty="0" err="1"/>
-              <a:t>os</a:t>
-            </a:r>
-            <a:r>
-              <a:rPr lang="en-US" dirty="0"/>
-              <a:t> </a:t>
-            </a:r>
-            <a:r>
-              <a:rPr lang="en-US" dirty="0" err="1"/>
-              <a:t>ficheiros</a:t>
-            </a:r>
-            <a:r>
-              <a:rPr lang="en-US" dirty="0"/>
-              <a:t> </a:t>
-            </a:r>
-            <a:r>
-              <a:rPr lang="en-US" dirty="0" err="1"/>
-              <a:t>alterados</a:t>
-            </a:r>
-            <a:r>
-              <a:rPr lang="en-US" dirty="0"/>
-              <a:t> </a:t>
-            </a:r>
-            <a:r>
-              <a:rPr lang="en-US" dirty="0" err="1"/>
-              <a:t>ou</a:t>
-            </a:r>
-            <a:r>
-              <a:rPr lang="en-US" dirty="0"/>
-              <a:t> </a:t>
-            </a:r>
-            <a:r>
-              <a:rPr lang="en-US" dirty="0" err="1"/>
-              <a:t>análise</a:t>
-            </a:r>
-            <a:r>
-              <a:rPr lang="en-US" dirty="0"/>
-              <a:t> </a:t>
-            </a:r>
-            <a:r>
-              <a:rPr lang="en-US" dirty="0" err="1"/>
-              <a:t>completa</a:t>
-            </a:r>
-            <a:r>
-              <a:rPr lang="en-US" dirty="0"/>
-              <a:t>.</a:t>
-            </a:r>
+        <p:spPr>
+          <a:xfrm>
+            <a:off x="643468" y="2638044"/>
+            <a:ext cx="3363974" cy="3415622"/>
+          </a:xfrm>
+        </p:spPr>
+        <p:txBody>
+          <a:bodyPr>
+            <a:normAutofit/>
+          </a:bodyPr>
+          <a:lstStyle/>
+          <a:p>
+            <a:pPr>
+              <a:lnSpc>
+                <a:spcPct val="90000"/>
+              </a:lnSpc>
+            </a:pPr>
+            <a:r>
+              <a:rPr lang="pt-PT" b="1" dirty="0" err="1">
+                <a:solidFill>
+                  <a:schemeClr val="bg1"/>
+                </a:solidFill>
+              </a:rPr>
+              <a:t>Update</a:t>
+            </a:r>
+            <a:endParaRPr lang="pt-PT" b="1" dirty="0">
+              <a:solidFill>
+                <a:schemeClr val="bg1"/>
+              </a:solidFill>
+            </a:endParaRPr>
+          </a:p>
+          <a:p>
+            <a:pPr lvl="1">
+              <a:lnSpc>
+                <a:spcPct val="90000"/>
+              </a:lnSpc>
+            </a:pPr>
+            <a:r>
+              <a:rPr lang="pt-PT" dirty="0">
+                <a:solidFill>
+                  <a:schemeClr val="bg1"/>
+                </a:solidFill>
+              </a:rPr>
+              <a:t>Atualizar o código que está na </a:t>
+            </a:r>
+            <a:r>
+              <a:rPr lang="pt-PT" dirty="0" err="1">
+                <a:solidFill>
+                  <a:schemeClr val="bg1"/>
+                </a:solidFill>
+              </a:rPr>
+              <a:t>solution</a:t>
+            </a:r>
+            <a:r>
+              <a:rPr lang="pt-PT" dirty="0">
+                <a:solidFill>
+                  <a:schemeClr val="bg1"/>
+                </a:solidFill>
+              </a:rPr>
+              <a:t> com o que está no Genio. </a:t>
+            </a:r>
+            <a:r>
+              <a:rPr lang="pt-PT" b="1" dirty="0">
+                <a:solidFill>
+                  <a:schemeClr val="bg1"/>
+                </a:solidFill>
+              </a:rPr>
+              <a:t>Pesquisas</a:t>
+            </a:r>
+          </a:p>
+          <a:p>
+            <a:pPr lvl="1">
+              <a:lnSpc>
+                <a:spcPct val="90000"/>
+              </a:lnSpc>
+            </a:pPr>
+            <a:r>
+              <a:rPr lang="pt-PT" dirty="0">
+                <a:solidFill>
+                  <a:schemeClr val="bg1"/>
+                </a:solidFill>
+              </a:rPr>
+              <a:t>Pesquisas ao código manual e às </a:t>
+            </a:r>
+            <a:r>
+              <a:rPr lang="pt-PT" dirty="0" err="1">
+                <a:solidFill>
+                  <a:schemeClr val="bg1"/>
+                </a:solidFill>
+              </a:rPr>
+              <a:t>functions</a:t>
+            </a:r>
+            <a:r>
+              <a:rPr lang="pt-PT" dirty="0">
+                <a:solidFill>
+                  <a:schemeClr val="bg1"/>
+                </a:solidFill>
+              </a:rPr>
+              <a:t> no Genio.</a:t>
+            </a:r>
+          </a:p>
+          <a:p>
+            <a:pPr lvl="1">
+              <a:lnSpc>
+                <a:spcPct val="90000"/>
+              </a:lnSpc>
+            </a:pPr>
+            <a:r>
+              <a:rPr lang="pt-PT" dirty="0">
+                <a:solidFill>
+                  <a:schemeClr val="bg1"/>
+                </a:solidFill>
+              </a:rPr>
+              <a:t>Visualização e alterações no Visual Studio.</a:t>
+            </a:r>
+          </a:p>
+          <a:p>
+            <a:pPr>
+              <a:lnSpc>
+                <a:spcPct val="90000"/>
+              </a:lnSpc>
+            </a:pPr>
+            <a:r>
+              <a:rPr lang="pt-PT" b="1" dirty="0">
+                <a:solidFill>
+                  <a:schemeClr val="bg1"/>
+                </a:solidFill>
+              </a:rPr>
+              <a:t>Criação</a:t>
+            </a:r>
+          </a:p>
+          <a:p>
+            <a:pPr lvl="1">
+              <a:lnSpc>
+                <a:spcPct val="90000"/>
+              </a:lnSpc>
+            </a:pPr>
+            <a:r>
+              <a:rPr lang="pt-PT" dirty="0">
+                <a:solidFill>
+                  <a:schemeClr val="bg1"/>
+                </a:solidFill>
+              </a:rPr>
+              <a:t>Criação de código manual </a:t>
+            </a:r>
+            <a:endParaRPr lang="pt-BR" b="1" dirty="0">
+              <a:solidFill>
+                <a:schemeClr val="bg1"/>
+              </a:solidFill>
+            </a:endParaRPr>
+          </a:p>
+          <a:p>
+            <a:pPr lvl="1">
+              <a:lnSpc>
+                <a:spcPct val="90000"/>
+              </a:lnSpc>
+            </a:pPr>
+            <a:endParaRPr lang="pt-PT" dirty="0">
+              <a:solidFill>
+                <a:schemeClr val="bg1"/>
+              </a:solidFill>
+            </a:endParaRPr>
           </a:p>
         </p:txBody>
       </p:sp>
     </p:spTree>
     <p:extLst>
       <p:ext uri="{BB962C8B-B14F-4D97-AF65-F5344CB8AC3E}">
-        <p14:creationId xmlns:p14="http://schemas.microsoft.com/office/powerpoint/2010/main" val="601834998"/>
+        <p14:creationId xmlns:p14="http://schemas.microsoft.com/office/powerpoint/2010/main" val="2507365141"/>
+      </p:ext>
+    </p:extLst>
+  </p:cSld>
+  <p:clrMapOvr>
+    <a:masterClrMapping/>
+  </p:clrMapOvr>
+</p:sld>
+</file>
+
+<file path=ppt/slides/slide8.xml><?xml version="1.0" encoding="utf-8"?>
+<p:sld xmlns:a="http://schemas.openxmlformats.org/drawingml/2006/main" xmlns:r="http://schemas.openxmlformats.org/officeDocument/2006/relationships" xmlns:p="http://schemas.openxmlformats.org/presentationml/2006/main">
+  <p:cSld>
+    <p:bg>
+      <p:bgPr>
+        <a:solidFill>
+          <a:schemeClr val="bg1">
+            <a:lumMod val="95000"/>
+          </a:schemeClr>
+        </a:solidFill>
+        <a:effectLst/>
+      </p:bgPr>
+    </p:bg>
+    <p:spTree>
+      <p:nvGrpSpPr>
+        <p:cNvPr id="1" name=""/>
+        <p:cNvGrpSpPr/>
+        <p:nvPr/>
+      </p:nvGrpSpPr>
+      <p:grpSpPr>
+        <a:xfrm>
+          <a:off x="0" y="0"/>
+          <a:ext cx="0" cy="0"/>
+          <a:chOff x="0" y="0"/>
+          <a:chExt cx="0" cy="0"/>
+        </a:xfrm>
+      </p:grpSpPr>
+      <p:sp useBgFill="1">
+        <p:nvSpPr>
+          <p:cNvPr id="17" name="Rectangle 16">
+            <a:extLst>
+              <a:ext uri="{FF2B5EF4-FFF2-40B4-BE49-F238E27FC236}">
+                <a16:creationId xmlns:a16="http://schemas.microsoft.com/office/drawing/2014/main" id="{1660E788-AFA9-4A1B-9991-6AA74632A15B}"/>
+              </a:ext>
+            </a:extLst>
+          </p:cNvPr>
+          <p:cNvSpPr>
+            <a:spLocks noGrp="1" noRot="1" noChangeAspect="1" noMove="1" noResize="1" noEditPoints="1" noAdjustHandles="1" noChangeArrowheads="1" noChangeShapeType="1" noTextEdit="1"/>
+          </p:cNvSpPr>
+          <p:nvPr>
+            <p:extLst>
+              <p:ext uri="{386F3935-93C4-4BCD-93E2-E3B085C9AB24}">
+                <p16:designElem xmlns:p16="http://schemas.microsoft.com/office/powerpoint/2015/main" val="1"/>
+              </p:ext>
+            </p:extLst>
+          </p:nvPr>
+        </p:nvSpPr>
+        <p:spPr>
+          <a:xfrm>
+            <a:off x="0" y="0"/>
+            <a:ext cx="12191999" cy="6858000"/>
+          </a:xfrm>
+          <a:prstGeom prst="rect">
+            <a:avLst/>
+          </a:prstGeom>
+          <a:ln>
+            <a:noFill/>
+          </a:ln>
+        </p:spPr>
+        <p:style>
+          <a:lnRef idx="2">
+            <a:schemeClr val="accent1">
+              <a:shade val="50000"/>
+            </a:schemeClr>
+          </a:lnRef>
+          <a:fillRef idx="1">
+            <a:schemeClr val="accent1"/>
+          </a:fillRef>
+          <a:effectRef idx="0">
+            <a:schemeClr val="accent1"/>
+          </a:effectRef>
+          <a:fontRef idx="minor">
+            <a:schemeClr val="lt1"/>
+          </a:fontRef>
+        </p:style>
+        <p:txBody>
+          <a:bodyPr rtlCol="0" anchor="ctr"/>
+          <a:lstStyle/>
+          <a:p>
+            <a:pPr algn="ctr"/>
+            <a:endParaRPr lang="en-US"/>
+          </a:p>
+        </p:txBody>
+      </p:sp>
+      <p:sp>
+        <p:nvSpPr>
+          <p:cNvPr id="19" name="Rectangle 18">
+            <a:extLst>
+              <a:ext uri="{FF2B5EF4-FFF2-40B4-BE49-F238E27FC236}">
+                <a16:creationId xmlns:a16="http://schemas.microsoft.com/office/drawing/2014/main" id="{867D4867-5BA7-4462-B2F6-A23F4A622AA7}"/>
+              </a:ext>
+            </a:extLst>
+          </p:cNvPr>
+          <p:cNvSpPr>
+            <a:spLocks noGrp="1" noRot="1" noChangeAspect="1" noMove="1" noResize="1" noEditPoints="1" noAdjustHandles="1" noChangeArrowheads="1" noChangeShapeType="1" noTextEdit="1"/>
+          </p:cNvSpPr>
+          <p:nvPr>
+            <p:extLst>
+              <p:ext uri="{386F3935-93C4-4BCD-93E2-E3B085C9AB24}">
+                <p16:designElem xmlns:p16="http://schemas.microsoft.com/office/powerpoint/2015/main" val="1"/>
+              </p:ext>
+            </p:extLst>
+          </p:nvPr>
+        </p:nvSpPr>
+        <p:spPr>
+          <a:xfrm>
+            <a:off x="0" y="0"/>
+            <a:ext cx="4654296" cy="6858000"/>
+          </a:xfrm>
+          <a:prstGeom prst="rect">
+            <a:avLst/>
+          </a:prstGeom>
+          <a:solidFill>
+            <a:schemeClr val="tx2"/>
+          </a:solidFill>
+          <a:ln>
+            <a:noFill/>
+          </a:ln>
+        </p:spPr>
+        <p:style>
+          <a:lnRef idx="0">
+            <a:scrgbClr r="0" g="0" b="0"/>
+          </a:lnRef>
+          <a:fillRef idx="0">
+            <a:scrgbClr r="0" g="0" b="0"/>
+          </a:fillRef>
+          <a:effectRef idx="0">
+            <a:scrgbClr r="0" g="0" b="0"/>
+          </a:effectRef>
+          <a:fontRef idx="minor">
+            <a:schemeClr val="lt1"/>
+          </a:fontRef>
+        </p:style>
+        <p:txBody>
+          <a:bodyPr rtlCol="0" anchor="ctr"/>
+          <a:lstStyle/>
+          <a:p>
+            <a:pPr algn="ctr"/>
+            <a:endParaRPr lang="en-US"/>
+          </a:p>
+        </p:txBody>
+      </p:sp>
+      <p:pic>
+        <p:nvPicPr>
+          <p:cNvPr id="6" name="Imagem 5" descr="Uma imagem com captura de ecrã&#10;&#10;Descrição gerada com confiança muito alta">
+            <a:extLst>
+              <a:ext uri="{FF2B5EF4-FFF2-40B4-BE49-F238E27FC236}">
+                <a16:creationId xmlns:a16="http://schemas.microsoft.com/office/drawing/2014/main" id="{A5BBE0DF-CDB1-48E1-8EA7-61713ED1AB13}"/>
+              </a:ext>
+            </a:extLst>
+          </p:cNvPr>
+          <p:cNvPicPr>
+            <a:picLocks noChangeAspect="1"/>
+          </p:cNvPicPr>
+          <p:nvPr/>
+        </p:nvPicPr>
+        <p:blipFill>
+          <a:blip r:embed="rId2"/>
+          <a:stretch>
+            <a:fillRect/>
+          </a:stretch>
+        </p:blipFill>
+        <p:spPr>
+          <a:xfrm>
+            <a:off x="5297763" y="1418642"/>
+            <a:ext cx="6250769" cy="3859849"/>
+          </a:xfrm>
+          <a:prstGeom prst="rect">
+            <a:avLst/>
+          </a:prstGeom>
+        </p:spPr>
+      </p:pic>
+      <p:sp>
+        <p:nvSpPr>
+          <p:cNvPr id="2" name="Título 1">
+            <a:extLst>
+              <a:ext uri="{FF2B5EF4-FFF2-40B4-BE49-F238E27FC236}">
+                <a16:creationId xmlns:a16="http://schemas.microsoft.com/office/drawing/2014/main" id="{779BEC28-29C4-4B8F-9021-6624C72A3FAD}"/>
+              </a:ext>
+            </a:extLst>
+          </p:cNvPr>
+          <p:cNvSpPr>
+            <a:spLocks noGrp="1"/>
+          </p:cNvSpPr>
+          <p:nvPr>
+            <p:ph type="title"/>
+          </p:nvPr>
+        </p:nvSpPr>
+        <p:spPr>
+          <a:xfrm>
+            <a:off x="643467" y="643467"/>
+            <a:ext cx="3363974" cy="1728044"/>
+          </a:xfrm>
+          <a:noFill/>
+          <a:ln>
+            <a:solidFill>
+              <a:schemeClr val="bg1"/>
+            </a:solidFill>
+          </a:ln>
+        </p:spPr>
+        <p:txBody>
+          <a:bodyPr wrap="square">
+            <a:normAutofit/>
+          </a:bodyPr>
+          <a:lstStyle/>
+          <a:p>
+            <a:r>
+              <a:rPr lang="pt-PT" sz="2200">
+                <a:solidFill>
+                  <a:schemeClr val="bg1"/>
+                </a:solidFill>
+              </a:rPr>
+              <a:t>Funcionalidades</a:t>
+            </a:r>
+            <a:endParaRPr lang="en-US" sz="2200">
+              <a:solidFill>
+                <a:schemeClr val="bg1"/>
+              </a:solidFill>
+            </a:endParaRPr>
+          </a:p>
+        </p:txBody>
+      </p:sp>
+      <p:sp>
+        <p:nvSpPr>
+          <p:cNvPr id="3" name="Marcador de Posição de Conteúdo 2">
+            <a:extLst>
+              <a:ext uri="{FF2B5EF4-FFF2-40B4-BE49-F238E27FC236}">
+                <a16:creationId xmlns:a16="http://schemas.microsoft.com/office/drawing/2014/main" id="{8E4721B6-D918-4C01-8A6D-9EACB8E4B1FE}"/>
+              </a:ext>
+            </a:extLst>
+          </p:cNvPr>
+          <p:cNvSpPr>
+            <a:spLocks noGrp="1"/>
+          </p:cNvSpPr>
+          <p:nvPr>
+            <p:ph idx="1"/>
+          </p:nvPr>
+        </p:nvSpPr>
+        <p:spPr>
+          <a:xfrm>
+            <a:off x="643468" y="2638044"/>
+            <a:ext cx="3363974" cy="3415622"/>
+          </a:xfrm>
+        </p:spPr>
+        <p:txBody>
+          <a:bodyPr>
+            <a:normAutofit/>
+          </a:bodyPr>
+          <a:lstStyle/>
+          <a:p>
+            <a:r>
+              <a:rPr lang="pt-PT" b="1" dirty="0">
+                <a:solidFill>
+                  <a:schemeClr val="bg1"/>
+                </a:solidFill>
+              </a:rPr>
+              <a:t>Outras funcionalidades</a:t>
+            </a:r>
+          </a:p>
+          <a:p>
+            <a:pPr lvl="1"/>
+            <a:r>
+              <a:rPr lang="pt-PT" dirty="0">
+                <a:solidFill>
+                  <a:schemeClr val="bg1"/>
+                </a:solidFill>
+              </a:rPr>
+              <a:t>Commit automático de alterações a resultados de pesquisas.</a:t>
+            </a:r>
+          </a:p>
+          <a:p>
+            <a:pPr lvl="1"/>
+            <a:r>
+              <a:rPr lang="pt-PT" dirty="0">
+                <a:solidFill>
+                  <a:schemeClr val="bg1"/>
+                </a:solidFill>
+              </a:rPr>
+              <a:t>Filtrar extensões no commit da </a:t>
+            </a:r>
+            <a:r>
+              <a:rPr lang="pt-PT" dirty="0" err="1">
+                <a:solidFill>
+                  <a:schemeClr val="bg1"/>
+                </a:solidFill>
+              </a:rPr>
+              <a:t>solution</a:t>
+            </a:r>
+            <a:r>
+              <a:rPr lang="pt-PT" dirty="0">
+                <a:solidFill>
+                  <a:schemeClr val="bg1"/>
+                </a:solidFill>
+              </a:rPr>
+              <a:t>.</a:t>
+            </a:r>
+          </a:p>
+          <a:p>
+            <a:pPr lvl="1"/>
+            <a:r>
+              <a:rPr lang="pt-BR" dirty="0">
+                <a:solidFill>
+                  <a:schemeClr val="bg1"/>
+                </a:solidFill>
+              </a:rPr>
+              <a:t>Versão, cliente e versão dos indexes da solution.</a:t>
+            </a:r>
+          </a:p>
+          <a:p>
+            <a:pPr lvl="1"/>
+            <a:endParaRPr lang="pt-BR" dirty="0">
+              <a:solidFill>
+                <a:schemeClr val="bg1"/>
+              </a:solidFill>
+            </a:endParaRPr>
+          </a:p>
+          <a:p>
+            <a:pPr lvl="1"/>
+            <a:endParaRPr lang="pt-PT" dirty="0">
+              <a:solidFill>
+                <a:schemeClr val="bg1"/>
+              </a:solidFill>
+            </a:endParaRPr>
+          </a:p>
+        </p:txBody>
+      </p:sp>
+    </p:spTree>
+    <p:extLst>
+      <p:ext uri="{BB962C8B-B14F-4D97-AF65-F5344CB8AC3E}">
+        <p14:creationId xmlns:p14="http://schemas.microsoft.com/office/powerpoint/2010/main" val="4106000956"/>
+      </p:ext>
+    </p:extLst>
+  </p:cSld>
+  <p:clrMapOvr>
+    <a:masterClrMapping/>
+  </p:clrMapOvr>
+</p:sld>
+</file>
+
+<file path=ppt/slides/slide9.xml><?xml version="1.0" encoding="utf-8"?>
+<p:sld xmlns:a="http://schemas.openxmlformats.org/drawingml/2006/main" xmlns:r="http://schemas.openxmlformats.org/officeDocument/2006/relationships" xmlns:p="http://schemas.openxmlformats.org/presentationml/2006/main">
+  <p:cSld>
+    <p:bg>
+      <p:bgPr>
+        <a:solidFill>
+          <a:schemeClr val="bg1">
+            <a:lumMod val="95000"/>
+          </a:schemeClr>
+        </a:solidFill>
+        <a:effectLst/>
+      </p:bgPr>
+    </p:bg>
+    <p:spTree>
+      <p:nvGrpSpPr>
+        <p:cNvPr id="1" name=""/>
+        <p:cNvGrpSpPr/>
+        <p:nvPr/>
+      </p:nvGrpSpPr>
+      <p:grpSpPr>
+        <a:xfrm>
+          <a:off x="0" y="0"/>
+          <a:ext cx="0" cy="0"/>
+          <a:chOff x="0" y="0"/>
+          <a:chExt cx="0" cy="0"/>
+        </a:xfrm>
+      </p:grpSpPr>
+      <p:sp useBgFill="1">
+        <p:nvSpPr>
+          <p:cNvPr id="24" name="Rectangle 23">
+            <a:extLst>
+              <a:ext uri="{FF2B5EF4-FFF2-40B4-BE49-F238E27FC236}">
+                <a16:creationId xmlns:a16="http://schemas.microsoft.com/office/drawing/2014/main" id="{1660E788-AFA9-4A1B-9991-6AA74632A15B}"/>
+              </a:ext>
+            </a:extLst>
+          </p:cNvPr>
+          <p:cNvSpPr>
+            <a:spLocks noGrp="1" noRot="1" noChangeAspect="1" noMove="1" noResize="1" noEditPoints="1" noAdjustHandles="1" noChangeArrowheads="1" noChangeShapeType="1" noTextEdit="1"/>
+          </p:cNvSpPr>
+          <p:nvPr>
+            <p:extLst>
+              <p:ext uri="{386F3935-93C4-4BCD-93E2-E3B085C9AB24}">
+                <p16:designElem xmlns:p16="http://schemas.microsoft.com/office/powerpoint/2015/main" val="1"/>
+              </p:ext>
+            </p:extLst>
+          </p:nvPr>
+        </p:nvSpPr>
+        <p:spPr>
+          <a:xfrm>
+            <a:off x="0" y="0"/>
+            <a:ext cx="12191999" cy="6858000"/>
+          </a:xfrm>
+          <a:prstGeom prst="rect">
+            <a:avLst/>
+          </a:prstGeom>
+          <a:ln>
+            <a:noFill/>
+          </a:ln>
+        </p:spPr>
+        <p:style>
+          <a:lnRef idx="2">
+            <a:schemeClr val="accent1">
+              <a:shade val="50000"/>
+            </a:schemeClr>
+          </a:lnRef>
+          <a:fillRef idx="1">
+            <a:schemeClr val="accent1"/>
+          </a:fillRef>
+          <a:effectRef idx="0">
+            <a:schemeClr val="accent1"/>
+          </a:effectRef>
+          <a:fontRef idx="minor">
+            <a:schemeClr val="lt1"/>
+          </a:fontRef>
+        </p:style>
+        <p:txBody>
+          <a:bodyPr rtlCol="0" anchor="ctr"/>
+          <a:lstStyle/>
+          <a:p>
+            <a:pPr algn="ctr"/>
+            <a:endParaRPr lang="en-US"/>
+          </a:p>
+        </p:txBody>
+      </p:sp>
+      <p:sp>
+        <p:nvSpPr>
+          <p:cNvPr id="26" name="Rectangle 25">
+            <a:extLst>
+              <a:ext uri="{FF2B5EF4-FFF2-40B4-BE49-F238E27FC236}">
+                <a16:creationId xmlns:a16="http://schemas.microsoft.com/office/drawing/2014/main" id="{867D4867-5BA7-4462-B2F6-A23F4A622AA7}"/>
+              </a:ext>
+            </a:extLst>
+          </p:cNvPr>
+          <p:cNvSpPr>
+            <a:spLocks noGrp="1" noRot="1" noChangeAspect="1" noMove="1" noResize="1" noEditPoints="1" noAdjustHandles="1" noChangeArrowheads="1" noChangeShapeType="1" noTextEdit="1"/>
+          </p:cNvSpPr>
+          <p:nvPr>
+            <p:extLst>
+              <p:ext uri="{386F3935-93C4-4BCD-93E2-E3B085C9AB24}">
+                <p16:designElem xmlns:p16="http://schemas.microsoft.com/office/powerpoint/2015/main" val="1"/>
+              </p:ext>
+            </p:extLst>
+          </p:nvPr>
+        </p:nvSpPr>
+        <p:spPr>
+          <a:xfrm>
+            <a:off x="0" y="0"/>
+            <a:ext cx="4654296" cy="6858000"/>
+          </a:xfrm>
+          <a:prstGeom prst="rect">
+            <a:avLst/>
+          </a:prstGeom>
+          <a:solidFill>
+            <a:schemeClr val="tx2"/>
+          </a:solidFill>
+          <a:ln>
+            <a:noFill/>
+          </a:ln>
+        </p:spPr>
+        <p:style>
+          <a:lnRef idx="0">
+            <a:scrgbClr r="0" g="0" b="0"/>
+          </a:lnRef>
+          <a:fillRef idx="0">
+            <a:scrgbClr r="0" g="0" b="0"/>
+          </a:fillRef>
+          <a:effectRef idx="0">
+            <a:scrgbClr r="0" g="0" b="0"/>
+          </a:effectRef>
+          <a:fontRef idx="minor">
+            <a:schemeClr val="lt1"/>
+          </a:fontRef>
+        </p:style>
+        <p:txBody>
+          <a:bodyPr rtlCol="0" anchor="ctr"/>
+          <a:lstStyle/>
+          <a:p>
+            <a:pPr algn="ctr"/>
+            <a:endParaRPr lang="en-US"/>
+          </a:p>
+        </p:txBody>
+      </p:sp>
+      <p:pic>
+        <p:nvPicPr>
+          <p:cNvPr id="5" name="Imagem 4" descr="Uma imagem com captura de ecrã&#10;&#10;Descrição gerada com confiança muito alta">
+            <a:extLst>
+              <a:ext uri="{FF2B5EF4-FFF2-40B4-BE49-F238E27FC236}">
+                <a16:creationId xmlns:a16="http://schemas.microsoft.com/office/drawing/2014/main" id="{DC029779-D670-46D4-9CC3-5961DDABCBAE}"/>
+              </a:ext>
+            </a:extLst>
+          </p:cNvPr>
+          <p:cNvPicPr>
+            <a:picLocks noChangeAspect="1"/>
+          </p:cNvPicPr>
+          <p:nvPr/>
+        </p:nvPicPr>
+        <p:blipFill>
+          <a:blip r:embed="rId2"/>
+          <a:stretch>
+            <a:fillRect/>
+          </a:stretch>
+        </p:blipFill>
+        <p:spPr>
+          <a:xfrm>
+            <a:off x="5297763" y="1934329"/>
+            <a:ext cx="6250769" cy="2828474"/>
+          </a:xfrm>
+          <a:prstGeom prst="rect">
+            <a:avLst/>
+          </a:prstGeom>
+        </p:spPr>
+      </p:pic>
+      <p:sp>
+        <p:nvSpPr>
+          <p:cNvPr id="2" name="Título 1">
+            <a:extLst>
+              <a:ext uri="{FF2B5EF4-FFF2-40B4-BE49-F238E27FC236}">
+                <a16:creationId xmlns:a16="http://schemas.microsoft.com/office/drawing/2014/main" id="{779BEC28-29C4-4B8F-9021-6624C72A3FAD}"/>
+              </a:ext>
+            </a:extLst>
+          </p:cNvPr>
+          <p:cNvSpPr>
+            <a:spLocks noGrp="1"/>
+          </p:cNvSpPr>
+          <p:nvPr>
+            <p:ph type="title"/>
+          </p:nvPr>
+        </p:nvSpPr>
+        <p:spPr>
+          <a:xfrm>
+            <a:off x="643467" y="643467"/>
+            <a:ext cx="3363974" cy="1728044"/>
+          </a:xfrm>
+          <a:noFill/>
+          <a:ln>
+            <a:solidFill>
+              <a:schemeClr val="bg1"/>
+            </a:solidFill>
+          </a:ln>
+        </p:spPr>
+        <p:txBody>
+          <a:bodyPr wrap="square">
+            <a:normAutofit/>
+          </a:bodyPr>
+          <a:lstStyle/>
+          <a:p>
+            <a:r>
+              <a:rPr lang="pt-PT" sz="2200" dirty="0">
+                <a:solidFill>
+                  <a:schemeClr val="bg1"/>
+                </a:solidFill>
+              </a:rPr>
+              <a:t>Funcionalidades</a:t>
+            </a:r>
+            <a:endParaRPr lang="en-US" sz="2200" dirty="0">
+              <a:solidFill>
+                <a:schemeClr val="bg1"/>
+              </a:solidFill>
+            </a:endParaRPr>
+          </a:p>
+        </p:txBody>
+      </p:sp>
+      <p:sp>
+        <p:nvSpPr>
+          <p:cNvPr id="3" name="Marcador de Posição de Conteúdo 2">
+            <a:extLst>
+              <a:ext uri="{FF2B5EF4-FFF2-40B4-BE49-F238E27FC236}">
+                <a16:creationId xmlns:a16="http://schemas.microsoft.com/office/drawing/2014/main" id="{8E4721B6-D918-4C01-8A6D-9EACB8E4B1FE}"/>
+              </a:ext>
+            </a:extLst>
+          </p:cNvPr>
+          <p:cNvSpPr>
+            <a:spLocks noGrp="1"/>
+          </p:cNvSpPr>
+          <p:nvPr>
+            <p:ph idx="1"/>
+          </p:nvPr>
+        </p:nvSpPr>
+        <p:spPr>
+          <a:xfrm>
+            <a:off x="643468" y="2638044"/>
+            <a:ext cx="3363974" cy="3415622"/>
+          </a:xfrm>
+        </p:spPr>
+        <p:txBody>
+          <a:bodyPr>
+            <a:normAutofit/>
+          </a:bodyPr>
+          <a:lstStyle/>
+          <a:p>
+            <a:r>
+              <a:rPr lang="pt-PT" b="1" dirty="0">
+                <a:solidFill>
+                  <a:schemeClr val="bg1"/>
+                </a:solidFill>
+              </a:rPr>
+              <a:t>Outras funcionalidades</a:t>
+            </a:r>
+          </a:p>
+          <a:p>
+            <a:pPr lvl="1"/>
+            <a:r>
+              <a:rPr lang="pt-PT" dirty="0">
+                <a:solidFill>
+                  <a:schemeClr val="bg1"/>
+                </a:solidFill>
+              </a:rPr>
+              <a:t>Opções acessíveis pela </a:t>
+            </a:r>
+            <a:r>
+              <a:rPr lang="pt-PT" dirty="0" err="1">
+                <a:solidFill>
+                  <a:schemeClr val="bg1"/>
+                </a:solidFill>
+              </a:rPr>
+              <a:t>lightbulb</a:t>
+            </a:r>
+            <a:r>
+              <a:rPr lang="pt-PT" dirty="0">
+                <a:solidFill>
+                  <a:schemeClr val="bg1"/>
+                </a:solidFill>
+              </a:rPr>
+              <a:t> do Visual Studio, botão direito do rato ou </a:t>
+            </a:r>
+            <a:r>
+              <a:rPr lang="pt-PT" dirty="0" err="1">
+                <a:solidFill>
+                  <a:schemeClr val="bg1"/>
+                </a:solidFill>
+              </a:rPr>
+              <a:t>toolbar</a:t>
+            </a:r>
+            <a:r>
+              <a:rPr lang="pt-PT" dirty="0">
+                <a:solidFill>
+                  <a:schemeClr val="bg1"/>
+                </a:solidFill>
+              </a:rPr>
+              <a:t> do Visual Studio.</a:t>
+            </a:r>
+          </a:p>
+          <a:p>
+            <a:pPr lvl="1"/>
+            <a:r>
+              <a:rPr lang="pt-PT" dirty="0">
+                <a:solidFill>
+                  <a:schemeClr val="bg1"/>
+                </a:solidFill>
+              </a:rPr>
+              <a:t>Log de todas as alterações</a:t>
+            </a:r>
+            <a:endParaRPr lang="pt-BR" dirty="0">
+              <a:solidFill>
+                <a:schemeClr val="bg1"/>
+              </a:solidFill>
+            </a:endParaRPr>
+          </a:p>
+          <a:p>
+            <a:pPr lvl="1"/>
+            <a:endParaRPr lang="pt-BR" dirty="0">
+              <a:solidFill>
+                <a:schemeClr val="bg1"/>
+              </a:solidFill>
+            </a:endParaRPr>
+          </a:p>
+          <a:p>
+            <a:pPr lvl="1"/>
+            <a:endParaRPr lang="pt-PT" dirty="0">
+              <a:solidFill>
+                <a:schemeClr val="bg1"/>
+              </a:solidFill>
+            </a:endParaRPr>
+          </a:p>
+        </p:txBody>
+      </p:sp>
+    </p:spTree>
+    <p:extLst>
+      <p:ext uri="{BB962C8B-B14F-4D97-AF65-F5344CB8AC3E}">
+        <p14:creationId xmlns:p14="http://schemas.microsoft.com/office/powerpoint/2010/main" val="3294696194"/>
       </p:ext>
     </p:extLst>
   </p:cSld>
